--- a/Family_Health.pptx
+++ b/Family_Health.pptx
@@ -5,10 +5,10 @@
     <p:sldMasterId id="2147483684" r:id="rId1"/>
   </p:sldMasterIdLst>
   <p:notesMasterIdLst>
-    <p:notesMasterId r:id="rId34"/>
+    <p:notesMasterId r:id="rId41"/>
   </p:notesMasterIdLst>
   <p:handoutMasterIdLst>
-    <p:handoutMasterId r:id="rId35"/>
+    <p:handoutMasterId r:id="rId42"/>
   </p:handoutMasterIdLst>
   <p:sldIdLst>
     <p:sldId id="272" r:id="rId2"/>
@@ -43,6 +43,13 @@
     <p:sldId id="297" r:id="rId31"/>
     <p:sldId id="299" r:id="rId32"/>
     <p:sldId id="300" r:id="rId33"/>
+    <p:sldId id="310" r:id="rId34"/>
+    <p:sldId id="311" r:id="rId35"/>
+    <p:sldId id="312" r:id="rId36"/>
+    <p:sldId id="313" r:id="rId37"/>
+    <p:sldId id="314" r:id="rId38"/>
+    <p:sldId id="315" r:id="rId39"/>
+    <p:sldId id="316" r:id="rId40"/>
   </p:sldIdLst>
   <p:sldSz cx="12192000" cy="6858000"/>
   <p:notesSz cx="6858000" cy="9144000"/>
@@ -306,7 +313,7 @@
               <a:rPr lang="vi-VN" smtClean="0">
                 <a:latin typeface="Calibri" panose="020F0502020204030204" pitchFamily="34" charset="0"/>
               </a:rPr>
-              <a:t>14/11/2019</a:t>
+              <a:t>21/11/2019</a:t>
             </a:fld>
             <a:endParaRPr lang="vi-VN">
               <a:latin typeface="Calibri" panose="020F0502020204030204" pitchFamily="34" charset="0"/>
@@ -497,7 +504,7 @@
             <a:fld id="{33C18D4B-1E95-4215-890B-940D2EB016A4}" type="datetime1">
               <a:rPr lang="vi-VN" smtClean="0"/>
               <a:pPr/>
-              <a:t>14/11/2019</a:t>
+              <a:t>21/11/2019</a:t>
             </a:fld>
             <a:endParaRPr lang="vi-VN"/>
           </a:p>
@@ -2974,6 +2981,601 @@
     <p:extLst>
       <p:ext uri="{BB962C8B-B14F-4D97-AF65-F5344CB8AC3E}">
         <p14:creationId xmlns:p14="http://schemas.microsoft.com/office/powerpoint/2010/main" val="3425381265"/>
+      </p:ext>
+    </p:extLst>
+  </p:cSld>
+  <p:clrMapOvr>
+    <a:masterClrMapping/>
+  </p:clrMapOvr>
+</p:notes>
+</file>
+
+<file path=ppt/notesSlides/notesSlide33.xml><?xml version="1.0" encoding="utf-8"?>
+<p:notes xmlns:a="http://schemas.openxmlformats.org/drawingml/2006/main" xmlns:r="http://schemas.openxmlformats.org/officeDocument/2006/relationships" xmlns:p="http://schemas.openxmlformats.org/presentationml/2006/main">
+  <p:cSld>
+    <p:spTree>
+      <p:nvGrpSpPr>
+        <p:cNvPr id="1" name=""/>
+        <p:cNvGrpSpPr/>
+        <p:nvPr/>
+      </p:nvGrpSpPr>
+      <p:grpSpPr>
+        <a:xfrm>
+          <a:off x="0" y="0"/>
+          <a:ext cx="0" cy="0"/>
+          <a:chOff x="0" y="0"/>
+          <a:chExt cx="0" cy="0"/>
+        </a:xfrm>
+      </p:grpSpPr>
+      <p:sp>
+        <p:nvSpPr>
+          <p:cNvPr id="2" name="Chỗ dành sẵn cho Hình ảnh của Bản chiếu 1"/>
+          <p:cNvSpPr>
+            <a:spLocks noGrp="1" noRot="1" noChangeAspect="1"/>
+          </p:cNvSpPr>
+          <p:nvPr>
+            <p:ph type="sldImg"/>
+          </p:nvPr>
+        </p:nvSpPr>
+        <p:spPr/>
+      </p:sp>
+      <p:sp>
+        <p:nvSpPr>
+          <p:cNvPr id="3" name="Chỗ dành sẵn cho Ghi chú 2"/>
+          <p:cNvSpPr>
+            <a:spLocks noGrp="1"/>
+          </p:cNvSpPr>
+          <p:nvPr>
+            <p:ph type="body" idx="1"/>
+          </p:nvPr>
+        </p:nvSpPr>
+        <p:spPr/>
+        <p:txBody>
+          <a:bodyPr/>
+          <a:lstStyle/>
+          <a:p>
+            <a:endParaRPr lang="vi-VN" dirty="0"/>
+          </a:p>
+        </p:txBody>
+      </p:sp>
+      <p:sp>
+        <p:nvSpPr>
+          <p:cNvPr id="4" name="Chỗ dành sẵn cho Số hiệu Bản chiếu 3"/>
+          <p:cNvSpPr>
+            <a:spLocks noGrp="1"/>
+          </p:cNvSpPr>
+          <p:nvPr>
+            <p:ph type="sldNum" sz="quarter" idx="10"/>
+          </p:nvPr>
+        </p:nvSpPr>
+        <p:spPr/>
+        <p:txBody>
+          <a:bodyPr/>
+          <a:lstStyle/>
+          <a:p>
+            <a:pPr rtl="0"/>
+            <a:fld id="{893B0CF2-7F87-4E02-A248-870047730F99}" type="slidenum">
+              <a:rPr lang="vi-VN" smtClean="0"/>
+              <a:t>33</a:t>
+            </a:fld>
+            <a:endParaRPr lang="vi-VN" dirty="0"/>
+          </a:p>
+        </p:txBody>
+      </p:sp>
+    </p:spTree>
+    <p:extLst>
+      <p:ext uri="{BB962C8B-B14F-4D97-AF65-F5344CB8AC3E}">
+        <p14:creationId xmlns:p14="http://schemas.microsoft.com/office/powerpoint/2010/main" val="4101696880"/>
+      </p:ext>
+    </p:extLst>
+  </p:cSld>
+  <p:clrMapOvr>
+    <a:masterClrMapping/>
+  </p:clrMapOvr>
+</p:notes>
+</file>
+
+<file path=ppt/notesSlides/notesSlide34.xml><?xml version="1.0" encoding="utf-8"?>
+<p:notes xmlns:a="http://schemas.openxmlformats.org/drawingml/2006/main" xmlns:r="http://schemas.openxmlformats.org/officeDocument/2006/relationships" xmlns:p="http://schemas.openxmlformats.org/presentationml/2006/main">
+  <p:cSld>
+    <p:spTree>
+      <p:nvGrpSpPr>
+        <p:cNvPr id="1" name=""/>
+        <p:cNvGrpSpPr/>
+        <p:nvPr/>
+      </p:nvGrpSpPr>
+      <p:grpSpPr>
+        <a:xfrm>
+          <a:off x="0" y="0"/>
+          <a:ext cx="0" cy="0"/>
+          <a:chOff x="0" y="0"/>
+          <a:chExt cx="0" cy="0"/>
+        </a:xfrm>
+      </p:grpSpPr>
+      <p:sp>
+        <p:nvSpPr>
+          <p:cNvPr id="2" name="Chỗ dành sẵn cho Hình ảnh của Bản chiếu 1"/>
+          <p:cNvSpPr>
+            <a:spLocks noGrp="1" noRot="1" noChangeAspect="1"/>
+          </p:cNvSpPr>
+          <p:nvPr>
+            <p:ph type="sldImg"/>
+          </p:nvPr>
+        </p:nvSpPr>
+        <p:spPr/>
+      </p:sp>
+      <p:sp>
+        <p:nvSpPr>
+          <p:cNvPr id="3" name="Chỗ dành sẵn cho Ghi chú 2"/>
+          <p:cNvSpPr>
+            <a:spLocks noGrp="1"/>
+          </p:cNvSpPr>
+          <p:nvPr>
+            <p:ph type="body" idx="1"/>
+          </p:nvPr>
+        </p:nvSpPr>
+        <p:spPr/>
+        <p:txBody>
+          <a:bodyPr/>
+          <a:lstStyle/>
+          <a:p>
+            <a:endParaRPr lang="vi-VN" dirty="0"/>
+          </a:p>
+        </p:txBody>
+      </p:sp>
+      <p:sp>
+        <p:nvSpPr>
+          <p:cNvPr id="4" name="Chỗ dành sẵn cho Số hiệu Bản chiếu 3"/>
+          <p:cNvSpPr>
+            <a:spLocks noGrp="1"/>
+          </p:cNvSpPr>
+          <p:nvPr>
+            <p:ph type="sldNum" sz="quarter" idx="10"/>
+          </p:nvPr>
+        </p:nvSpPr>
+        <p:spPr/>
+        <p:txBody>
+          <a:bodyPr/>
+          <a:lstStyle/>
+          <a:p>
+            <a:pPr rtl="0"/>
+            <a:fld id="{893B0CF2-7F87-4E02-A248-870047730F99}" type="slidenum">
+              <a:rPr lang="vi-VN" smtClean="0"/>
+              <a:t>34</a:t>
+            </a:fld>
+            <a:endParaRPr lang="vi-VN" dirty="0"/>
+          </a:p>
+        </p:txBody>
+      </p:sp>
+    </p:spTree>
+    <p:extLst>
+      <p:ext uri="{BB962C8B-B14F-4D97-AF65-F5344CB8AC3E}">
+        <p14:creationId xmlns:p14="http://schemas.microsoft.com/office/powerpoint/2010/main" val="4024914772"/>
+      </p:ext>
+    </p:extLst>
+  </p:cSld>
+  <p:clrMapOvr>
+    <a:masterClrMapping/>
+  </p:clrMapOvr>
+</p:notes>
+</file>
+
+<file path=ppt/notesSlides/notesSlide35.xml><?xml version="1.0" encoding="utf-8"?>
+<p:notes xmlns:a="http://schemas.openxmlformats.org/drawingml/2006/main" xmlns:r="http://schemas.openxmlformats.org/officeDocument/2006/relationships" xmlns:p="http://schemas.openxmlformats.org/presentationml/2006/main">
+  <p:cSld>
+    <p:spTree>
+      <p:nvGrpSpPr>
+        <p:cNvPr id="1" name=""/>
+        <p:cNvGrpSpPr/>
+        <p:nvPr/>
+      </p:nvGrpSpPr>
+      <p:grpSpPr>
+        <a:xfrm>
+          <a:off x="0" y="0"/>
+          <a:ext cx="0" cy="0"/>
+          <a:chOff x="0" y="0"/>
+          <a:chExt cx="0" cy="0"/>
+        </a:xfrm>
+      </p:grpSpPr>
+      <p:sp>
+        <p:nvSpPr>
+          <p:cNvPr id="2" name="Chỗ dành sẵn cho Hình ảnh của Bản chiếu 1"/>
+          <p:cNvSpPr>
+            <a:spLocks noGrp="1" noRot="1" noChangeAspect="1"/>
+          </p:cNvSpPr>
+          <p:nvPr>
+            <p:ph type="sldImg"/>
+          </p:nvPr>
+        </p:nvSpPr>
+        <p:spPr/>
+      </p:sp>
+      <p:sp>
+        <p:nvSpPr>
+          <p:cNvPr id="3" name="Chỗ dành sẵn cho Ghi chú 2"/>
+          <p:cNvSpPr>
+            <a:spLocks noGrp="1"/>
+          </p:cNvSpPr>
+          <p:nvPr>
+            <p:ph type="body" idx="1"/>
+          </p:nvPr>
+        </p:nvSpPr>
+        <p:spPr/>
+        <p:txBody>
+          <a:bodyPr/>
+          <a:lstStyle/>
+          <a:p>
+            <a:endParaRPr lang="vi-VN" dirty="0"/>
+          </a:p>
+        </p:txBody>
+      </p:sp>
+      <p:sp>
+        <p:nvSpPr>
+          <p:cNvPr id="4" name="Chỗ dành sẵn cho Số hiệu Bản chiếu 3"/>
+          <p:cNvSpPr>
+            <a:spLocks noGrp="1"/>
+          </p:cNvSpPr>
+          <p:nvPr>
+            <p:ph type="sldNum" sz="quarter" idx="10"/>
+          </p:nvPr>
+        </p:nvSpPr>
+        <p:spPr/>
+        <p:txBody>
+          <a:bodyPr/>
+          <a:lstStyle/>
+          <a:p>
+            <a:pPr rtl="0"/>
+            <a:fld id="{893B0CF2-7F87-4E02-A248-870047730F99}" type="slidenum">
+              <a:rPr lang="vi-VN" smtClean="0"/>
+              <a:t>35</a:t>
+            </a:fld>
+            <a:endParaRPr lang="vi-VN" dirty="0"/>
+          </a:p>
+        </p:txBody>
+      </p:sp>
+    </p:spTree>
+    <p:extLst>
+      <p:ext uri="{BB962C8B-B14F-4D97-AF65-F5344CB8AC3E}">
+        <p14:creationId xmlns:p14="http://schemas.microsoft.com/office/powerpoint/2010/main" val="2898076013"/>
+      </p:ext>
+    </p:extLst>
+  </p:cSld>
+  <p:clrMapOvr>
+    <a:masterClrMapping/>
+  </p:clrMapOvr>
+</p:notes>
+</file>
+
+<file path=ppt/notesSlides/notesSlide36.xml><?xml version="1.0" encoding="utf-8"?>
+<p:notes xmlns:a="http://schemas.openxmlformats.org/drawingml/2006/main" xmlns:r="http://schemas.openxmlformats.org/officeDocument/2006/relationships" xmlns:p="http://schemas.openxmlformats.org/presentationml/2006/main">
+  <p:cSld>
+    <p:spTree>
+      <p:nvGrpSpPr>
+        <p:cNvPr id="1" name=""/>
+        <p:cNvGrpSpPr/>
+        <p:nvPr/>
+      </p:nvGrpSpPr>
+      <p:grpSpPr>
+        <a:xfrm>
+          <a:off x="0" y="0"/>
+          <a:ext cx="0" cy="0"/>
+          <a:chOff x="0" y="0"/>
+          <a:chExt cx="0" cy="0"/>
+        </a:xfrm>
+      </p:grpSpPr>
+      <p:sp>
+        <p:nvSpPr>
+          <p:cNvPr id="2" name="Chỗ dành sẵn cho Hình ảnh của Bản chiếu 1"/>
+          <p:cNvSpPr>
+            <a:spLocks noGrp="1" noRot="1" noChangeAspect="1"/>
+          </p:cNvSpPr>
+          <p:nvPr>
+            <p:ph type="sldImg"/>
+          </p:nvPr>
+        </p:nvSpPr>
+        <p:spPr/>
+      </p:sp>
+      <p:sp>
+        <p:nvSpPr>
+          <p:cNvPr id="3" name="Chỗ dành sẵn cho Ghi chú 2"/>
+          <p:cNvSpPr>
+            <a:spLocks noGrp="1"/>
+          </p:cNvSpPr>
+          <p:nvPr>
+            <p:ph type="body" idx="1"/>
+          </p:nvPr>
+        </p:nvSpPr>
+        <p:spPr/>
+        <p:txBody>
+          <a:bodyPr/>
+          <a:lstStyle/>
+          <a:p>
+            <a:endParaRPr lang="vi-VN" dirty="0"/>
+          </a:p>
+        </p:txBody>
+      </p:sp>
+      <p:sp>
+        <p:nvSpPr>
+          <p:cNvPr id="4" name="Chỗ dành sẵn cho Số hiệu Bản chiếu 3"/>
+          <p:cNvSpPr>
+            <a:spLocks noGrp="1"/>
+          </p:cNvSpPr>
+          <p:nvPr>
+            <p:ph type="sldNum" sz="quarter" idx="10"/>
+          </p:nvPr>
+        </p:nvSpPr>
+        <p:spPr/>
+        <p:txBody>
+          <a:bodyPr/>
+          <a:lstStyle/>
+          <a:p>
+            <a:pPr rtl="0"/>
+            <a:fld id="{893B0CF2-7F87-4E02-A248-870047730F99}" type="slidenum">
+              <a:rPr lang="vi-VN" smtClean="0"/>
+              <a:t>36</a:t>
+            </a:fld>
+            <a:endParaRPr lang="vi-VN" dirty="0"/>
+          </a:p>
+        </p:txBody>
+      </p:sp>
+    </p:spTree>
+    <p:extLst>
+      <p:ext uri="{BB962C8B-B14F-4D97-AF65-F5344CB8AC3E}">
+        <p14:creationId xmlns:p14="http://schemas.microsoft.com/office/powerpoint/2010/main" val="846722747"/>
+      </p:ext>
+    </p:extLst>
+  </p:cSld>
+  <p:clrMapOvr>
+    <a:masterClrMapping/>
+  </p:clrMapOvr>
+</p:notes>
+</file>
+
+<file path=ppt/notesSlides/notesSlide37.xml><?xml version="1.0" encoding="utf-8"?>
+<p:notes xmlns:a="http://schemas.openxmlformats.org/drawingml/2006/main" xmlns:r="http://schemas.openxmlformats.org/officeDocument/2006/relationships" xmlns:p="http://schemas.openxmlformats.org/presentationml/2006/main">
+  <p:cSld>
+    <p:spTree>
+      <p:nvGrpSpPr>
+        <p:cNvPr id="1" name=""/>
+        <p:cNvGrpSpPr/>
+        <p:nvPr/>
+      </p:nvGrpSpPr>
+      <p:grpSpPr>
+        <a:xfrm>
+          <a:off x="0" y="0"/>
+          <a:ext cx="0" cy="0"/>
+          <a:chOff x="0" y="0"/>
+          <a:chExt cx="0" cy="0"/>
+        </a:xfrm>
+      </p:grpSpPr>
+      <p:sp>
+        <p:nvSpPr>
+          <p:cNvPr id="2" name="Chỗ dành sẵn cho Hình ảnh của Bản chiếu 1"/>
+          <p:cNvSpPr>
+            <a:spLocks noGrp="1" noRot="1" noChangeAspect="1"/>
+          </p:cNvSpPr>
+          <p:nvPr>
+            <p:ph type="sldImg"/>
+          </p:nvPr>
+        </p:nvSpPr>
+        <p:spPr/>
+      </p:sp>
+      <p:sp>
+        <p:nvSpPr>
+          <p:cNvPr id="3" name="Chỗ dành sẵn cho Ghi chú 2"/>
+          <p:cNvSpPr>
+            <a:spLocks noGrp="1"/>
+          </p:cNvSpPr>
+          <p:nvPr>
+            <p:ph type="body" idx="1"/>
+          </p:nvPr>
+        </p:nvSpPr>
+        <p:spPr/>
+        <p:txBody>
+          <a:bodyPr/>
+          <a:lstStyle/>
+          <a:p>
+            <a:endParaRPr lang="vi-VN" dirty="0"/>
+          </a:p>
+        </p:txBody>
+      </p:sp>
+      <p:sp>
+        <p:nvSpPr>
+          <p:cNvPr id="4" name="Chỗ dành sẵn cho Số hiệu Bản chiếu 3"/>
+          <p:cNvSpPr>
+            <a:spLocks noGrp="1"/>
+          </p:cNvSpPr>
+          <p:nvPr>
+            <p:ph type="sldNum" sz="quarter" idx="10"/>
+          </p:nvPr>
+        </p:nvSpPr>
+        <p:spPr/>
+        <p:txBody>
+          <a:bodyPr/>
+          <a:lstStyle/>
+          <a:p>
+            <a:pPr rtl="0"/>
+            <a:fld id="{893B0CF2-7F87-4E02-A248-870047730F99}" type="slidenum">
+              <a:rPr lang="vi-VN" smtClean="0"/>
+              <a:t>37</a:t>
+            </a:fld>
+            <a:endParaRPr lang="vi-VN" dirty="0"/>
+          </a:p>
+        </p:txBody>
+      </p:sp>
+    </p:spTree>
+    <p:extLst>
+      <p:ext uri="{BB962C8B-B14F-4D97-AF65-F5344CB8AC3E}">
+        <p14:creationId xmlns:p14="http://schemas.microsoft.com/office/powerpoint/2010/main" val="4111553651"/>
+      </p:ext>
+    </p:extLst>
+  </p:cSld>
+  <p:clrMapOvr>
+    <a:masterClrMapping/>
+  </p:clrMapOvr>
+</p:notes>
+</file>
+
+<file path=ppt/notesSlides/notesSlide38.xml><?xml version="1.0" encoding="utf-8"?>
+<p:notes xmlns:a="http://schemas.openxmlformats.org/drawingml/2006/main" xmlns:r="http://schemas.openxmlformats.org/officeDocument/2006/relationships" xmlns:p="http://schemas.openxmlformats.org/presentationml/2006/main">
+  <p:cSld>
+    <p:spTree>
+      <p:nvGrpSpPr>
+        <p:cNvPr id="1" name=""/>
+        <p:cNvGrpSpPr/>
+        <p:nvPr/>
+      </p:nvGrpSpPr>
+      <p:grpSpPr>
+        <a:xfrm>
+          <a:off x="0" y="0"/>
+          <a:ext cx="0" cy="0"/>
+          <a:chOff x="0" y="0"/>
+          <a:chExt cx="0" cy="0"/>
+        </a:xfrm>
+      </p:grpSpPr>
+      <p:sp>
+        <p:nvSpPr>
+          <p:cNvPr id="2" name="Chỗ dành sẵn cho Hình ảnh của Bản chiếu 1"/>
+          <p:cNvSpPr>
+            <a:spLocks noGrp="1" noRot="1" noChangeAspect="1"/>
+          </p:cNvSpPr>
+          <p:nvPr>
+            <p:ph type="sldImg"/>
+          </p:nvPr>
+        </p:nvSpPr>
+        <p:spPr/>
+      </p:sp>
+      <p:sp>
+        <p:nvSpPr>
+          <p:cNvPr id="3" name="Chỗ dành sẵn cho Ghi chú 2"/>
+          <p:cNvSpPr>
+            <a:spLocks noGrp="1"/>
+          </p:cNvSpPr>
+          <p:nvPr>
+            <p:ph type="body" idx="1"/>
+          </p:nvPr>
+        </p:nvSpPr>
+        <p:spPr/>
+        <p:txBody>
+          <a:bodyPr/>
+          <a:lstStyle/>
+          <a:p>
+            <a:endParaRPr lang="vi-VN" dirty="0"/>
+          </a:p>
+        </p:txBody>
+      </p:sp>
+      <p:sp>
+        <p:nvSpPr>
+          <p:cNvPr id="4" name="Chỗ dành sẵn cho Số hiệu Bản chiếu 3"/>
+          <p:cNvSpPr>
+            <a:spLocks noGrp="1"/>
+          </p:cNvSpPr>
+          <p:nvPr>
+            <p:ph type="sldNum" sz="quarter" idx="10"/>
+          </p:nvPr>
+        </p:nvSpPr>
+        <p:spPr/>
+        <p:txBody>
+          <a:bodyPr/>
+          <a:lstStyle/>
+          <a:p>
+            <a:pPr rtl="0"/>
+            <a:fld id="{893B0CF2-7F87-4E02-A248-870047730F99}" type="slidenum">
+              <a:rPr lang="vi-VN" smtClean="0"/>
+              <a:t>38</a:t>
+            </a:fld>
+            <a:endParaRPr lang="vi-VN" dirty="0"/>
+          </a:p>
+        </p:txBody>
+      </p:sp>
+    </p:spTree>
+    <p:extLst>
+      <p:ext uri="{BB962C8B-B14F-4D97-AF65-F5344CB8AC3E}">
+        <p14:creationId xmlns:p14="http://schemas.microsoft.com/office/powerpoint/2010/main" val="4079006245"/>
+      </p:ext>
+    </p:extLst>
+  </p:cSld>
+  <p:clrMapOvr>
+    <a:masterClrMapping/>
+  </p:clrMapOvr>
+</p:notes>
+</file>
+
+<file path=ppt/notesSlides/notesSlide39.xml><?xml version="1.0" encoding="utf-8"?>
+<p:notes xmlns:a="http://schemas.openxmlformats.org/drawingml/2006/main" xmlns:r="http://schemas.openxmlformats.org/officeDocument/2006/relationships" xmlns:p="http://schemas.openxmlformats.org/presentationml/2006/main">
+  <p:cSld>
+    <p:spTree>
+      <p:nvGrpSpPr>
+        <p:cNvPr id="1" name=""/>
+        <p:cNvGrpSpPr/>
+        <p:nvPr/>
+      </p:nvGrpSpPr>
+      <p:grpSpPr>
+        <a:xfrm>
+          <a:off x="0" y="0"/>
+          <a:ext cx="0" cy="0"/>
+          <a:chOff x="0" y="0"/>
+          <a:chExt cx="0" cy="0"/>
+        </a:xfrm>
+      </p:grpSpPr>
+      <p:sp>
+        <p:nvSpPr>
+          <p:cNvPr id="2" name="Chỗ dành sẵn cho Hình ảnh của Bản chiếu 1"/>
+          <p:cNvSpPr>
+            <a:spLocks noGrp="1" noRot="1" noChangeAspect="1"/>
+          </p:cNvSpPr>
+          <p:nvPr>
+            <p:ph type="sldImg"/>
+          </p:nvPr>
+        </p:nvSpPr>
+        <p:spPr/>
+      </p:sp>
+      <p:sp>
+        <p:nvSpPr>
+          <p:cNvPr id="3" name="Chỗ dành sẵn cho Ghi chú 2"/>
+          <p:cNvSpPr>
+            <a:spLocks noGrp="1"/>
+          </p:cNvSpPr>
+          <p:nvPr>
+            <p:ph type="body" idx="1"/>
+          </p:nvPr>
+        </p:nvSpPr>
+        <p:spPr/>
+        <p:txBody>
+          <a:bodyPr/>
+          <a:lstStyle/>
+          <a:p>
+            <a:endParaRPr lang="vi-VN" dirty="0"/>
+          </a:p>
+        </p:txBody>
+      </p:sp>
+      <p:sp>
+        <p:nvSpPr>
+          <p:cNvPr id="4" name="Chỗ dành sẵn cho Số hiệu Bản chiếu 3"/>
+          <p:cNvSpPr>
+            <a:spLocks noGrp="1"/>
+          </p:cNvSpPr>
+          <p:nvPr>
+            <p:ph type="sldNum" sz="quarter" idx="10"/>
+          </p:nvPr>
+        </p:nvSpPr>
+        <p:spPr/>
+        <p:txBody>
+          <a:bodyPr/>
+          <a:lstStyle/>
+          <a:p>
+            <a:pPr rtl="0"/>
+            <a:fld id="{893B0CF2-7F87-4E02-A248-870047730F99}" type="slidenum">
+              <a:rPr lang="vi-VN" smtClean="0"/>
+              <a:t>39</a:t>
+            </a:fld>
+            <a:endParaRPr lang="vi-VN" dirty="0"/>
+          </a:p>
+        </p:txBody>
+      </p:sp>
+    </p:spTree>
+    <p:extLst>
+      <p:ext uri="{BB962C8B-B14F-4D97-AF65-F5344CB8AC3E}">
+        <p14:creationId xmlns:p14="http://schemas.microsoft.com/office/powerpoint/2010/main" val="1487305708"/>
       </p:ext>
     </p:extLst>
   </p:cSld>
@@ -4795,7 +5397,7 @@
             <a:pPr rtl="0"/>
             <a:fld id="{E1DA1E86-1AD9-4ABC-A48E-E688AD3614AB}" type="datetime1">
               <a:rPr lang="vi-VN" noProof="0" smtClean="0"/>
-              <a:t>14/11/2019</a:t>
+              <a:t>21/11/2019</a:t>
             </a:fld>
             <a:endParaRPr lang="vi-VN" noProof="0" dirty="0"/>
           </a:p>
@@ -4988,7 +5590,7 @@
             <a:pPr rtl="0"/>
             <a:fld id="{BC4CFB87-DD47-4DE0-A51C-D7436D50E08F}" type="datetime1">
               <a:rPr lang="vi-VN" noProof="0" smtClean="0"/>
-              <a:t>14/11/2019</a:t>
+              <a:t>21/11/2019</a:t>
             </a:fld>
             <a:endParaRPr lang="vi-VN" noProof="0"/>
           </a:p>
@@ -5191,7 +5793,7 @@
             <a:pPr rtl="0"/>
             <a:fld id="{ED7EE2AE-DA71-44F7-B14F-3B4E33816103}" type="datetime1">
               <a:rPr lang="vi-VN" noProof="0" smtClean="0"/>
-              <a:t>14/11/2019</a:t>
+              <a:t>21/11/2019</a:t>
             </a:fld>
             <a:endParaRPr lang="vi-VN" noProof="0"/>
           </a:p>
@@ -5384,7 +5986,7 @@
             <a:pPr rtl="0"/>
             <a:fld id="{A851FED1-3913-45F3-81B6-E8C8C909594D}" type="datetime1">
               <a:rPr lang="vi-VN" noProof="0" smtClean="0"/>
-              <a:t>14/11/2019</a:t>
+              <a:t>21/11/2019</a:t>
             </a:fld>
             <a:endParaRPr lang="vi-VN" noProof="0"/>
           </a:p>
@@ -5672,7 +6274,7 @@
             <a:pPr rtl="0"/>
             <a:fld id="{2BE78908-9F9E-404A-A02F-4683B279366B}" type="datetime1">
               <a:rPr lang="vi-VN" noProof="0" smtClean="0"/>
-              <a:t>14/11/2019</a:t>
+              <a:t>21/11/2019</a:t>
             </a:fld>
             <a:endParaRPr lang="vi-VN" noProof="0"/>
           </a:p>
@@ -5996,7 +6598,7 @@
             <a:pPr rtl="0"/>
             <a:fld id="{9AD156BD-F740-4F53-B380-922949A1B13B}" type="datetime1">
               <a:rPr lang="vi-VN" noProof="0" smtClean="0"/>
-              <a:t>14/11/2019</a:t>
+              <a:t>21/11/2019</a:t>
             </a:fld>
             <a:endParaRPr lang="vi-VN" noProof="0"/>
           </a:p>
@@ -6398,7 +7000,7 @@
             <a:pPr rtl="0"/>
             <a:fld id="{FD9C976C-48D1-43AF-9E80-0DF3792D1A38}" type="datetime1">
               <a:rPr lang="vi-VN" noProof="0" smtClean="0"/>
-              <a:t>14/11/2019</a:t>
+              <a:t>21/11/2019</a:t>
             </a:fld>
             <a:endParaRPr lang="vi-VN" noProof="0"/>
           </a:p>
@@ -6572,7 +7174,7 @@
             <a:pPr rtl="0"/>
             <a:fld id="{29D3CBCA-B094-45CF-875F-6510B140EE9F}" type="datetime1">
               <a:rPr lang="vi-VN" noProof="0" smtClean="0"/>
-              <a:t>14/11/2019</a:t>
+              <a:t>21/11/2019</a:t>
             </a:fld>
             <a:endParaRPr lang="vi-VN" noProof="0"/>
           </a:p>
@@ -6685,7 +7287,7 @@
             <a:pPr rtl="0"/>
             <a:fld id="{59D74DE8-9860-4516-B0F6-A3EB4777F0FD}" type="datetime1">
               <a:rPr lang="vi-VN" noProof="0" smtClean="0"/>
-              <a:t>14/11/2019</a:t>
+              <a:t>21/11/2019</a:t>
             </a:fld>
             <a:endParaRPr lang="vi-VN" noProof="0" dirty="0"/>
           </a:p>
@@ -7006,7 +7608,7 @@
             <a:pPr rtl="0"/>
             <a:fld id="{3CB741AE-690F-46F3-93C4-FA4C0C4D9B1F}" type="datetime1">
               <a:rPr lang="vi-VN" noProof="0" smtClean="0"/>
-              <a:t>14/11/2019</a:t>
+              <a:t>21/11/2019</a:t>
             </a:fld>
             <a:endParaRPr lang="vi-VN" noProof="0"/>
           </a:p>
@@ -7365,7 +7967,7 @@
             <a:pPr rtl="0"/>
             <a:fld id="{D4DA2FCC-8C8E-4B0D-868A-1179763992C4}" type="datetime1">
               <a:rPr lang="vi-VN" noProof="0" smtClean="0"/>
-              <a:t>14/11/2019</a:t>
+              <a:t>21/11/2019</a:t>
             </a:fld>
             <a:endParaRPr lang="vi-VN" noProof="0"/>
           </a:p>
@@ -8506,7 +9108,7 @@
             <a:fld id="{480AF25E-65E4-4709-B4CD-B9801F2A9A85}" type="datetime1">
               <a:rPr lang="vi-VN" smtClean="0"/>
               <a:pPr/>
-              <a:t>14/11/2019</a:t>
+              <a:t>21/11/2019</a:t>
             </a:fld>
             <a:endParaRPr lang="vi-VN"/>
           </a:p>
@@ -15963,15 +16565,11 @@
             </a:r>
             <a:r>
               <a:rPr lang="vi-VN" sz="2000" dirty="0" smtClean="0"/>
-              <a:t> [</a:t>
-            </a:r>
-            <a:r>
-              <a:rPr lang="vi-VN" sz="2000" dirty="0" err="1" smtClean="0"/>
-              <a:t>fix</a:t>
-            </a:r>
-            <a:r>
-              <a:rPr lang="vi-VN" sz="2000" dirty="0" smtClean="0"/>
-              <a:t>] </a:t>
+              <a:t> </a:t>
+            </a:r>
+            <a:r>
+              <a:rPr lang="en-US" sz="2000" dirty="0" smtClean="0"/>
+              <a:t>3 </a:t>
             </a:r>
             <a:r>
               <a:rPr lang="vi-VN" sz="2000" dirty="0" err="1" smtClean="0"/>
@@ -22728,31 +23326,72 @@
             <a:endParaRPr lang="vi-VN" b="1" dirty="0" smtClean="0"/>
           </a:p>
           <a:p>
-            <a:pPr marL="548640" lvl="2" indent="-274320">
-              <a:buClr>
-                <a:schemeClr val="accent3">
-                  <a:lumMod val="50000"/>
-                </a:schemeClr>
-              </a:buClr>
-              <a:buSzPct val="95000"/>
-            </a:pPr>
-            <a:r>
-              <a:rPr lang="vi-VN" dirty="0" smtClean="0"/>
-              <a:t> </a:t>
-            </a:r>
-            <a:r>
-              <a:rPr lang="vi-VN" sz="1700" dirty="0" smtClean="0"/>
-              <a:t>[</a:t>
-            </a:r>
-            <a:r>
-              <a:rPr lang="vi-VN" sz="1700" dirty="0" err="1" smtClean="0"/>
-              <a:t>fix</a:t>
-            </a:r>
-            <a:r>
-              <a:rPr lang="vi-VN" sz="1700" dirty="0" smtClean="0"/>
-              <a:t>]</a:t>
-            </a:r>
-            <a:endParaRPr lang="vi-VN" sz="1700" dirty="0"/>
+            <a:pPr lvl="1"/>
+            <a:r>
+              <a:rPr lang="en-US" sz="2000" dirty="0" smtClean="0"/>
+              <a:t>Sau </a:t>
+            </a:r>
+            <a:r>
+              <a:rPr lang="en-US" sz="2000" dirty="0" err="1" smtClean="0"/>
+              <a:t>đây</a:t>
+            </a:r>
+            <a:r>
+              <a:rPr lang="en-US" sz="2000" dirty="0" smtClean="0"/>
+              <a:t> </a:t>
+            </a:r>
+            <a:r>
+              <a:rPr lang="en-US" sz="2000" dirty="0" err="1" smtClean="0"/>
+              <a:t>là</a:t>
+            </a:r>
+            <a:r>
+              <a:rPr lang="en-US" sz="2000" dirty="0" smtClean="0"/>
+              <a:t> </a:t>
+            </a:r>
+            <a:r>
+              <a:rPr lang="en-US" sz="2000" dirty="0" err="1" smtClean="0"/>
+              <a:t>một</a:t>
+            </a:r>
+            <a:r>
+              <a:rPr lang="en-US" sz="2000" dirty="0" smtClean="0"/>
+              <a:t> </a:t>
+            </a:r>
+            <a:r>
+              <a:rPr lang="en-US" sz="2000" dirty="0" err="1" smtClean="0"/>
+              <a:t>vài</a:t>
+            </a:r>
+            <a:r>
+              <a:rPr lang="en-US" sz="2000" dirty="0" smtClean="0"/>
+              <a:t> </a:t>
+            </a:r>
+            <a:r>
+              <a:rPr lang="en-US" sz="2000" dirty="0" err="1" smtClean="0"/>
+              <a:t>thực</a:t>
+            </a:r>
+            <a:r>
+              <a:rPr lang="en-US" sz="2000" dirty="0" smtClean="0"/>
+              <a:t> </a:t>
+            </a:r>
+            <a:r>
+              <a:rPr lang="en-US" sz="2000" dirty="0" err="1" smtClean="0"/>
+              <a:t>thể</a:t>
+            </a:r>
+            <a:r>
+              <a:rPr lang="en-US" sz="2000" dirty="0" smtClean="0"/>
+              <a:t> </a:t>
+            </a:r>
+            <a:r>
+              <a:rPr lang="en-US" sz="2000" dirty="0" err="1" smtClean="0"/>
+              <a:t>cho</a:t>
+            </a:r>
+            <a:r>
+              <a:rPr lang="en-US" sz="2000" dirty="0" smtClean="0"/>
+              <a:t> </a:t>
+            </a:r>
+            <a:r>
+              <a:rPr lang="en-US" sz="2000" dirty="0" err="1" smtClean="0"/>
+              <a:t>lớp</a:t>
+            </a:r>
+            <a:endParaRPr lang="en-US" sz="2000" dirty="0" smtClean="0"/>
           </a:p>
           <a:p>
             <a:pPr lvl="1"/>
@@ -22801,10 +23440,1538 @@
           </a:extLst>
         </p:spPr>
       </p:pic>
+      <p:pic>
+        <p:nvPicPr>
+          <p:cNvPr id="5" name="Ảnh 4"/>
+          <p:cNvPicPr>
+            <a:picLocks noChangeAspect="1"/>
+          </p:cNvPicPr>
+          <p:nvPr/>
+        </p:nvPicPr>
+        <p:blipFill>
+          <a:blip r:embed="rId4"/>
+          <a:stretch>
+            <a:fillRect/>
+          </a:stretch>
+        </p:blipFill>
+        <p:spPr>
+          <a:xfrm>
+            <a:off x="1193824" y="2696308"/>
+            <a:ext cx="7402176" cy="4161692"/>
+          </a:xfrm>
+          <a:prstGeom prst="rect">
+            <a:avLst/>
+          </a:prstGeom>
+        </p:spPr>
+      </p:pic>
     </p:spTree>
     <p:extLst>
       <p:ext uri="{BB962C8B-B14F-4D97-AF65-F5344CB8AC3E}">
         <p14:creationId xmlns:p14="http://schemas.microsoft.com/office/powerpoint/2010/main" val="1334655483"/>
+      </p:ext>
+    </p:extLst>
+  </p:cSld>
+  <p:clrMapOvr>
+    <a:masterClrMapping/>
+  </p:clrMapOvr>
+  <mc:AlternateContent xmlns:mc="http://schemas.openxmlformats.org/markup-compatibility/2006" xmlns:p14="http://schemas.microsoft.com/office/powerpoint/2010/main">
+    <mc:Choice Requires="p14">
+      <p:transition spd="med" p14:dur="700">
+        <p:fade/>
+      </p:transition>
+    </mc:Choice>
+    <mc:Fallback xmlns="">
+      <p:transition spd="med">
+        <p:fade/>
+      </p:transition>
+    </mc:Fallback>
+  </mc:AlternateContent>
+  <p:timing>
+    <p:tnLst>
+      <p:par>
+        <p:cTn id="1" dur="indefinite" restart="never" nodeType="tmRoot"/>
+      </p:par>
+    </p:tnLst>
+  </p:timing>
+</p:sld>
+</file>
+
+<file path=ppt/slides/slide33.xml><?xml version="1.0" encoding="utf-8"?>
+<p:sld xmlns:a="http://schemas.openxmlformats.org/drawingml/2006/main" xmlns:r="http://schemas.openxmlformats.org/officeDocument/2006/relationships" xmlns:p="http://schemas.openxmlformats.org/presentationml/2006/main">
+  <p:cSld>
+    <p:spTree>
+      <p:nvGrpSpPr>
+        <p:cNvPr id="1" name=""/>
+        <p:cNvGrpSpPr/>
+        <p:nvPr/>
+      </p:nvGrpSpPr>
+      <p:grpSpPr>
+        <a:xfrm>
+          <a:off x="0" y="0"/>
+          <a:ext cx="0" cy="0"/>
+          <a:chOff x="0" y="0"/>
+          <a:chExt cx="0" cy="0"/>
+        </a:xfrm>
+      </p:grpSpPr>
+      <p:sp>
+        <p:nvSpPr>
+          <p:cNvPr id="3" name="Tiêu đề 2"/>
+          <p:cNvSpPr>
+            <a:spLocks noGrp="1"/>
+          </p:cNvSpPr>
+          <p:nvPr>
+            <p:ph type="title"/>
+          </p:nvPr>
+        </p:nvSpPr>
+        <p:spPr/>
+        <p:txBody>
+          <a:bodyPr rtlCol="0"/>
+          <a:lstStyle/>
+          <a:p>
+            <a:r>
+              <a:rPr lang="vi-VN" dirty="0" smtClean="0">
+                <a:latin typeface="Times New Roman" panose="02020603050405020304" pitchFamily="18" charset="0"/>
+                <a:cs typeface="Times New Roman" panose="02020603050405020304" pitchFamily="18" charset="0"/>
+              </a:rPr>
+              <a:t>Xây </a:t>
+            </a:r>
+            <a:r>
+              <a:rPr lang="vi-VN" dirty="0" err="1" smtClean="0">
+                <a:latin typeface="Times New Roman" panose="02020603050405020304" pitchFamily="18" charset="0"/>
+                <a:cs typeface="Times New Roman" panose="02020603050405020304" pitchFamily="18" charset="0"/>
+              </a:rPr>
+              <a:t>dựng</a:t>
+            </a:r>
+            <a:r>
+              <a:rPr lang="vi-VN" dirty="0" smtClean="0">
+                <a:latin typeface="Times New Roman" panose="02020603050405020304" pitchFamily="18" charset="0"/>
+                <a:cs typeface="Times New Roman" panose="02020603050405020304" pitchFamily="18" charset="0"/>
+              </a:rPr>
+              <a:t> </a:t>
+            </a:r>
+            <a:r>
+              <a:rPr lang="vi-VN" dirty="0" err="1" smtClean="0">
+                <a:latin typeface="Times New Roman" panose="02020603050405020304" pitchFamily="18" charset="0"/>
+                <a:cs typeface="Times New Roman" panose="02020603050405020304" pitchFamily="18" charset="0"/>
+              </a:rPr>
+              <a:t>ontology</a:t>
+            </a:r>
+            <a:endParaRPr lang="vi-VN" dirty="0">
+              <a:latin typeface="Times New Roman" panose="02020603050405020304" pitchFamily="18" charset="0"/>
+              <a:cs typeface="Times New Roman" panose="02020603050405020304" pitchFamily="18" charset="0"/>
+            </a:endParaRPr>
+          </a:p>
+        </p:txBody>
+      </p:sp>
+      <p:sp>
+        <p:nvSpPr>
+          <p:cNvPr id="2" name="Chỗ dành sẵn cho Nội dung 1"/>
+          <p:cNvSpPr>
+            <a:spLocks noGrp="1"/>
+          </p:cNvSpPr>
+          <p:nvPr>
+            <p:ph idx="1"/>
+          </p:nvPr>
+        </p:nvSpPr>
+        <p:spPr>
+          <a:xfrm>
+            <a:off x="609600" y="1935479"/>
+            <a:ext cx="7986400" cy="3961229"/>
+          </a:xfrm>
+        </p:spPr>
+        <p:txBody>
+          <a:bodyPr rtlCol="0">
+            <a:normAutofit/>
+          </a:bodyPr>
+          <a:lstStyle/>
+          <a:p>
+            <a:pPr marL="274320" lvl="1" indent="-274320">
+              <a:buClr>
+                <a:schemeClr val="accent3">
+                  <a:lumMod val="50000"/>
+                </a:schemeClr>
+              </a:buClr>
+              <a:buSzPct val="95000"/>
+            </a:pPr>
+            <a:r>
+              <a:rPr lang="vi-VN" b="1" dirty="0" err="1" smtClean="0"/>
+              <a:t>Bước</a:t>
+            </a:r>
+            <a:r>
+              <a:rPr lang="vi-VN" b="1" dirty="0" smtClean="0"/>
+              <a:t> 7: </a:t>
+            </a:r>
+            <a:r>
+              <a:rPr lang="vi-VN" b="1" dirty="0" err="1" smtClean="0"/>
+              <a:t>Tạo</a:t>
+            </a:r>
+            <a:r>
+              <a:rPr lang="vi-VN" b="1" dirty="0" smtClean="0"/>
+              <a:t> </a:t>
+            </a:r>
+            <a:r>
+              <a:rPr lang="vi-VN" b="1" dirty="0" err="1" smtClean="0"/>
+              <a:t>các</a:t>
+            </a:r>
+            <a:r>
+              <a:rPr lang="vi-VN" b="1" dirty="0" smtClean="0"/>
+              <a:t> </a:t>
+            </a:r>
+            <a:r>
+              <a:rPr lang="vi-VN" b="1" dirty="0" err="1" smtClean="0"/>
+              <a:t>thực</a:t>
+            </a:r>
+            <a:r>
+              <a:rPr lang="vi-VN" b="1" dirty="0" smtClean="0"/>
+              <a:t> </a:t>
+            </a:r>
+            <a:r>
+              <a:rPr lang="vi-VN" b="1" dirty="0" err="1" smtClean="0"/>
+              <a:t>thể</a:t>
+            </a:r>
+            <a:r>
+              <a:rPr lang="vi-VN" b="1" dirty="0" smtClean="0"/>
+              <a:t> cho </a:t>
+            </a:r>
+            <a:r>
+              <a:rPr lang="vi-VN" b="1" dirty="0" err="1" smtClean="0"/>
+              <a:t>lớp</a:t>
+            </a:r>
+            <a:endParaRPr lang="vi-VN" b="1" dirty="0" smtClean="0"/>
+          </a:p>
+          <a:p>
+            <a:pPr lvl="1"/>
+            <a:r>
+              <a:rPr lang="en-US" sz="2000" dirty="0" smtClean="0"/>
+              <a:t>Sau </a:t>
+            </a:r>
+            <a:r>
+              <a:rPr lang="en-US" sz="2000" dirty="0" err="1" smtClean="0"/>
+              <a:t>đây</a:t>
+            </a:r>
+            <a:r>
+              <a:rPr lang="en-US" sz="2000" dirty="0" smtClean="0"/>
+              <a:t> </a:t>
+            </a:r>
+            <a:r>
+              <a:rPr lang="en-US" sz="2000" dirty="0" err="1" smtClean="0"/>
+              <a:t>là</a:t>
+            </a:r>
+            <a:r>
+              <a:rPr lang="en-US" sz="2000" dirty="0" smtClean="0"/>
+              <a:t> </a:t>
+            </a:r>
+            <a:r>
+              <a:rPr lang="en-US" sz="2000" dirty="0" err="1" smtClean="0"/>
+              <a:t>một</a:t>
+            </a:r>
+            <a:r>
+              <a:rPr lang="en-US" sz="2000" dirty="0" smtClean="0"/>
+              <a:t> </a:t>
+            </a:r>
+            <a:r>
+              <a:rPr lang="en-US" sz="2000" dirty="0" err="1" smtClean="0"/>
+              <a:t>vài</a:t>
+            </a:r>
+            <a:r>
+              <a:rPr lang="en-US" sz="2000" dirty="0" smtClean="0"/>
+              <a:t> </a:t>
+            </a:r>
+            <a:r>
+              <a:rPr lang="en-US" sz="2000" dirty="0" err="1" smtClean="0"/>
+              <a:t>thực</a:t>
+            </a:r>
+            <a:r>
+              <a:rPr lang="en-US" sz="2000" dirty="0" smtClean="0"/>
+              <a:t> </a:t>
+            </a:r>
+            <a:r>
+              <a:rPr lang="en-US" sz="2000" dirty="0" err="1" smtClean="0"/>
+              <a:t>thể</a:t>
+            </a:r>
+            <a:r>
+              <a:rPr lang="en-US" sz="2000" dirty="0" smtClean="0"/>
+              <a:t> </a:t>
+            </a:r>
+            <a:r>
+              <a:rPr lang="en-US" sz="2000" dirty="0" err="1" smtClean="0"/>
+              <a:t>cho</a:t>
+            </a:r>
+            <a:r>
+              <a:rPr lang="en-US" sz="2000" dirty="0" smtClean="0"/>
+              <a:t> </a:t>
+            </a:r>
+            <a:r>
+              <a:rPr lang="en-US" sz="2000" dirty="0" err="1" smtClean="0"/>
+              <a:t>lớp</a:t>
+            </a:r>
+            <a:endParaRPr lang="en-US" sz="2000" dirty="0" smtClean="0"/>
+          </a:p>
+          <a:p>
+            <a:pPr lvl="1"/>
+            <a:endParaRPr lang="vi-VN" sz="2000" dirty="0"/>
+          </a:p>
+        </p:txBody>
+      </p:sp>
+      <p:pic>
+        <p:nvPicPr>
+          <p:cNvPr id="9218" name="Picture 2" descr="Kết quả hình ảnh cho Individual icon"/>
+          <p:cNvPicPr>
+            <a:picLocks noChangeAspect="1" noChangeArrowheads="1"/>
+          </p:cNvPicPr>
+          <p:nvPr/>
+        </p:nvPicPr>
+        <p:blipFill>
+          <a:blip r:embed="rId3">
+            <a:extLst>
+              <a:ext uri="{28A0092B-C50C-407E-A947-70E740481C1C}">
+                <a14:useLocalDpi xmlns:a14="http://schemas.microsoft.com/office/drawing/2010/main" val="0"/>
+              </a:ext>
+            </a:extLst>
+          </a:blip>
+          <a:srcRect/>
+          <a:stretch>
+            <a:fillRect/>
+          </a:stretch>
+        </p:blipFill>
+        <p:spPr bwMode="auto">
+          <a:xfrm>
+            <a:off x="8596000" y="2696308"/>
+            <a:ext cx="2711729" cy="2711730"/>
+          </a:xfrm>
+          <a:prstGeom prst="rect">
+            <a:avLst/>
+          </a:prstGeom>
+          <a:noFill/>
+          <a:extLst>
+            <a:ext uri="{909E8E84-426E-40DD-AFC4-6F175D3DCCD1}">
+              <a14:hiddenFill xmlns:a14="http://schemas.microsoft.com/office/drawing/2010/main">
+                <a:solidFill>
+                  <a:srgbClr val="FFFFFF"/>
+                </a:solidFill>
+              </a14:hiddenFill>
+            </a:ext>
+          </a:extLst>
+        </p:spPr>
+      </p:pic>
+      <p:pic>
+        <p:nvPicPr>
+          <p:cNvPr id="4" name="Ảnh 3"/>
+          <p:cNvPicPr>
+            <a:picLocks noChangeAspect="1"/>
+          </p:cNvPicPr>
+          <p:nvPr/>
+        </p:nvPicPr>
+        <p:blipFill>
+          <a:blip r:embed="rId4"/>
+          <a:stretch>
+            <a:fillRect/>
+          </a:stretch>
+        </p:blipFill>
+        <p:spPr>
+          <a:xfrm>
+            <a:off x="1196801" y="2697982"/>
+            <a:ext cx="7399199" cy="4160018"/>
+          </a:xfrm>
+          <a:prstGeom prst="rect">
+            <a:avLst/>
+          </a:prstGeom>
+        </p:spPr>
+      </p:pic>
+    </p:spTree>
+    <p:extLst>
+      <p:ext uri="{BB962C8B-B14F-4D97-AF65-F5344CB8AC3E}">
+        <p14:creationId xmlns:p14="http://schemas.microsoft.com/office/powerpoint/2010/main" val="3618963926"/>
+      </p:ext>
+    </p:extLst>
+  </p:cSld>
+  <p:clrMapOvr>
+    <a:masterClrMapping/>
+  </p:clrMapOvr>
+  <mc:AlternateContent xmlns:mc="http://schemas.openxmlformats.org/markup-compatibility/2006" xmlns:p14="http://schemas.microsoft.com/office/powerpoint/2010/main">
+    <mc:Choice Requires="p14">
+      <p:transition spd="med" p14:dur="700">
+        <p:fade/>
+      </p:transition>
+    </mc:Choice>
+    <mc:Fallback xmlns="">
+      <p:transition spd="med">
+        <p:fade/>
+      </p:transition>
+    </mc:Fallback>
+  </mc:AlternateContent>
+  <p:timing>
+    <p:tnLst>
+      <p:par>
+        <p:cTn id="1" dur="indefinite" restart="never" nodeType="tmRoot"/>
+      </p:par>
+    </p:tnLst>
+  </p:timing>
+</p:sld>
+</file>
+
+<file path=ppt/slides/slide34.xml><?xml version="1.0" encoding="utf-8"?>
+<p:sld xmlns:a="http://schemas.openxmlformats.org/drawingml/2006/main" xmlns:r="http://schemas.openxmlformats.org/officeDocument/2006/relationships" xmlns:p="http://schemas.openxmlformats.org/presentationml/2006/main">
+  <p:cSld>
+    <p:spTree>
+      <p:nvGrpSpPr>
+        <p:cNvPr id="1" name=""/>
+        <p:cNvGrpSpPr/>
+        <p:nvPr/>
+      </p:nvGrpSpPr>
+      <p:grpSpPr>
+        <a:xfrm>
+          <a:off x="0" y="0"/>
+          <a:ext cx="0" cy="0"/>
+          <a:chOff x="0" y="0"/>
+          <a:chExt cx="0" cy="0"/>
+        </a:xfrm>
+      </p:grpSpPr>
+      <p:sp>
+        <p:nvSpPr>
+          <p:cNvPr id="3" name="Tiêu đề 2"/>
+          <p:cNvSpPr>
+            <a:spLocks noGrp="1"/>
+          </p:cNvSpPr>
+          <p:nvPr>
+            <p:ph type="title"/>
+          </p:nvPr>
+        </p:nvSpPr>
+        <p:spPr/>
+        <p:txBody>
+          <a:bodyPr rtlCol="0"/>
+          <a:lstStyle/>
+          <a:p>
+            <a:r>
+              <a:rPr lang="en-US" dirty="0" err="1" smtClean="0">
+                <a:latin typeface="Times New Roman" panose="02020603050405020304" pitchFamily="18" charset="0"/>
+                <a:cs typeface="Times New Roman" panose="02020603050405020304" pitchFamily="18" charset="0"/>
+              </a:rPr>
+              <a:t>Kết</a:t>
+            </a:r>
+            <a:r>
+              <a:rPr lang="en-US" dirty="0" smtClean="0">
+                <a:latin typeface="Times New Roman" panose="02020603050405020304" pitchFamily="18" charset="0"/>
+                <a:cs typeface="Times New Roman" panose="02020603050405020304" pitchFamily="18" charset="0"/>
+              </a:rPr>
+              <a:t> </a:t>
+            </a:r>
+            <a:r>
+              <a:rPr lang="en-US" dirty="0" err="1" smtClean="0">
+                <a:latin typeface="Times New Roman" panose="02020603050405020304" pitchFamily="18" charset="0"/>
+                <a:cs typeface="Times New Roman" panose="02020603050405020304" pitchFamily="18" charset="0"/>
+              </a:rPr>
+              <a:t>luận</a:t>
+            </a:r>
+            <a:endParaRPr lang="vi-VN" dirty="0">
+              <a:latin typeface="Times New Roman" panose="02020603050405020304" pitchFamily="18" charset="0"/>
+              <a:cs typeface="Times New Roman" panose="02020603050405020304" pitchFamily="18" charset="0"/>
+            </a:endParaRPr>
+          </a:p>
+        </p:txBody>
+      </p:sp>
+      <p:sp>
+        <p:nvSpPr>
+          <p:cNvPr id="2" name="Chỗ dành sẵn cho Nội dung 1"/>
+          <p:cNvSpPr>
+            <a:spLocks noGrp="1"/>
+          </p:cNvSpPr>
+          <p:nvPr>
+            <p:ph idx="1"/>
+          </p:nvPr>
+        </p:nvSpPr>
+        <p:spPr>
+          <a:xfrm>
+            <a:off x="609600" y="1935479"/>
+            <a:ext cx="7986400" cy="3961229"/>
+          </a:xfrm>
+        </p:spPr>
+        <p:txBody>
+          <a:bodyPr rtlCol="0">
+            <a:normAutofit/>
+          </a:bodyPr>
+          <a:lstStyle/>
+          <a:p>
+            <a:pPr lvl="1"/>
+            <a:r>
+              <a:rPr lang="en-US" sz="2000" dirty="0" smtClean="0"/>
+              <a:t>Ontology </a:t>
+            </a:r>
+            <a:r>
+              <a:rPr lang="en-US" sz="2000" dirty="0" err="1" smtClean="0"/>
+              <a:t>đã</a:t>
+            </a:r>
+            <a:r>
+              <a:rPr lang="en-US" sz="2000" dirty="0" smtClean="0"/>
+              <a:t> </a:t>
+            </a:r>
+            <a:r>
+              <a:rPr lang="en-US" sz="2000" dirty="0" err="1" smtClean="0"/>
+              <a:t>hoàn</a:t>
+            </a:r>
+            <a:r>
+              <a:rPr lang="en-US" sz="2000" dirty="0" smtClean="0"/>
+              <a:t> </a:t>
+            </a:r>
+            <a:r>
+              <a:rPr lang="en-US" sz="2000" dirty="0" err="1" smtClean="0"/>
+              <a:t>thành</a:t>
+            </a:r>
+            <a:r>
+              <a:rPr lang="en-US" sz="2000" dirty="0" smtClean="0"/>
+              <a:t> </a:t>
+            </a:r>
+            <a:r>
+              <a:rPr lang="en-US" sz="2000" dirty="0" err="1" smtClean="0"/>
+              <a:t>nhưng</a:t>
+            </a:r>
+            <a:r>
+              <a:rPr lang="en-US" sz="2000" dirty="0" smtClean="0"/>
+              <a:t> </a:t>
+            </a:r>
+            <a:r>
+              <a:rPr lang="en-US" sz="2000" dirty="0" err="1" smtClean="0"/>
+              <a:t>gặp</a:t>
+            </a:r>
+            <a:r>
+              <a:rPr lang="en-US" sz="2000" dirty="0" smtClean="0"/>
+              <a:t> </a:t>
+            </a:r>
+            <a:r>
+              <a:rPr lang="en-US" sz="2000" dirty="0" err="1" smtClean="0"/>
+              <a:t>một</a:t>
+            </a:r>
+            <a:r>
+              <a:rPr lang="en-US" sz="2000" dirty="0" smtClean="0"/>
+              <a:t> </a:t>
+            </a:r>
+            <a:r>
+              <a:rPr lang="en-US" sz="2000" dirty="0" err="1" smtClean="0"/>
+              <a:t>vài</a:t>
+            </a:r>
+            <a:r>
+              <a:rPr lang="en-US" sz="2000" dirty="0" smtClean="0"/>
+              <a:t> </a:t>
+            </a:r>
+            <a:r>
+              <a:rPr lang="en-US" sz="2000" dirty="0" err="1" smtClean="0"/>
+              <a:t>khó</a:t>
+            </a:r>
+            <a:r>
+              <a:rPr lang="en-US" sz="2000" dirty="0" smtClean="0"/>
+              <a:t> </a:t>
+            </a:r>
+            <a:r>
+              <a:rPr lang="en-US" sz="2000" dirty="0" err="1" smtClean="0"/>
+              <a:t>khăn</a:t>
+            </a:r>
+            <a:r>
+              <a:rPr lang="en-US" sz="2000" dirty="0" smtClean="0"/>
+              <a:t> </a:t>
+            </a:r>
+            <a:r>
+              <a:rPr lang="en-US" sz="2000" dirty="0" err="1" smtClean="0"/>
+              <a:t>như</a:t>
+            </a:r>
+            <a:r>
+              <a:rPr lang="en-US" sz="2000" dirty="0" smtClean="0"/>
+              <a:t> :</a:t>
+            </a:r>
+          </a:p>
+          <a:p>
+            <a:pPr lvl="2"/>
+            <a:r>
+              <a:rPr lang="en-US" altLang="ko-KR" sz="1700" dirty="0" err="1"/>
+              <a:t>Quan</a:t>
+            </a:r>
+            <a:r>
+              <a:rPr lang="en-US" altLang="ko-KR" sz="1700" dirty="0"/>
+              <a:t> </a:t>
+            </a:r>
+            <a:r>
+              <a:rPr lang="en-US" altLang="ko-KR" sz="1700" dirty="0" err="1"/>
+              <a:t>hệ</a:t>
+            </a:r>
+            <a:r>
+              <a:rPr lang="en-US" altLang="ko-KR" sz="1700" dirty="0"/>
+              <a:t> </a:t>
+            </a:r>
+            <a:r>
+              <a:rPr lang="en-US" altLang="ko-KR" sz="1700" dirty="0" err="1"/>
+              <a:t>trong</a:t>
+            </a:r>
+            <a:r>
+              <a:rPr lang="en-US" altLang="ko-KR" sz="1700" dirty="0"/>
+              <a:t> </a:t>
+            </a:r>
+            <a:r>
+              <a:rPr lang="en-US" altLang="ko-KR" sz="1700" dirty="0" err="1"/>
+              <a:t>gia</a:t>
+            </a:r>
+            <a:r>
+              <a:rPr lang="en-US" altLang="ko-KR" sz="1700" dirty="0"/>
+              <a:t> </a:t>
+            </a:r>
+            <a:r>
+              <a:rPr lang="en-US" altLang="ko-KR" sz="1700" dirty="0" err="1"/>
+              <a:t>đình</a:t>
+            </a:r>
+            <a:r>
+              <a:rPr lang="en-US" altLang="ko-KR" sz="1700" dirty="0"/>
+              <a:t> </a:t>
+            </a:r>
+            <a:r>
+              <a:rPr lang="en-US" altLang="ko-KR" sz="1700" dirty="0" err="1"/>
+              <a:t>dùng</a:t>
+            </a:r>
+            <a:r>
+              <a:rPr lang="en-US" altLang="ko-KR" sz="1700" dirty="0"/>
+              <a:t> </a:t>
+            </a:r>
+            <a:r>
+              <a:rPr lang="en-US" altLang="ko-KR" sz="1700" dirty="0" err="1"/>
+              <a:t>các</a:t>
+            </a:r>
+            <a:r>
+              <a:rPr lang="en-US" altLang="ko-KR" sz="1700" dirty="0"/>
+              <a:t> </a:t>
+            </a:r>
+            <a:r>
+              <a:rPr lang="en-US" altLang="ko-KR" sz="1700" dirty="0" err="1"/>
+              <a:t>tên</a:t>
+            </a:r>
+            <a:r>
+              <a:rPr lang="en-US" altLang="ko-KR" sz="1700" dirty="0"/>
+              <a:t> </a:t>
+            </a:r>
+            <a:r>
+              <a:rPr lang="en-US" altLang="ko-KR" sz="1700" dirty="0" err="1"/>
+              <a:t>gọi</a:t>
+            </a:r>
+            <a:r>
+              <a:rPr lang="en-US" altLang="ko-KR" sz="1700" dirty="0"/>
+              <a:t> </a:t>
+            </a:r>
+            <a:r>
+              <a:rPr lang="en-US" altLang="ko-KR" sz="1700" dirty="0" err="1"/>
+              <a:t>khác</a:t>
+            </a:r>
+            <a:r>
+              <a:rPr lang="en-US" altLang="ko-KR" sz="1700" dirty="0"/>
+              <a:t> </a:t>
+            </a:r>
+            <a:r>
+              <a:rPr lang="en-US" altLang="ko-KR" sz="1700" dirty="0" err="1"/>
+              <a:t>nhau</a:t>
+            </a:r>
+            <a:r>
+              <a:rPr lang="en-US" altLang="ko-KR" sz="1700" dirty="0"/>
+              <a:t> ở </a:t>
+            </a:r>
+            <a:r>
+              <a:rPr lang="en-US" altLang="ko-KR" sz="1700" dirty="0" err="1"/>
+              <a:t>các</a:t>
+            </a:r>
+            <a:r>
+              <a:rPr lang="en-US" altLang="ko-KR" sz="1700" dirty="0"/>
+              <a:t> </a:t>
+            </a:r>
+            <a:r>
+              <a:rPr lang="en-US" altLang="ko-KR" sz="1700" dirty="0" err="1"/>
+              <a:t>vùng</a:t>
+            </a:r>
+            <a:r>
+              <a:rPr lang="en-US" altLang="ko-KR" sz="1700" dirty="0"/>
+              <a:t> </a:t>
+            </a:r>
+            <a:r>
+              <a:rPr lang="en-US" altLang="ko-KR" sz="1700" dirty="0" err="1"/>
+              <a:t>miền</a:t>
+            </a:r>
+            <a:r>
+              <a:rPr lang="en-US" altLang="ko-KR" sz="1700" dirty="0"/>
+              <a:t>, </a:t>
+            </a:r>
+            <a:r>
+              <a:rPr lang="en-US" altLang="ko-KR" sz="1700" dirty="0" err="1"/>
+              <a:t>gây</a:t>
+            </a:r>
+            <a:r>
+              <a:rPr lang="en-US" altLang="ko-KR" sz="1700" dirty="0"/>
+              <a:t> </a:t>
+            </a:r>
+            <a:r>
+              <a:rPr lang="en-US" altLang="ko-KR" sz="1700" dirty="0" err="1"/>
+              <a:t>khó</a:t>
+            </a:r>
+            <a:r>
+              <a:rPr lang="en-US" altLang="ko-KR" sz="1700" dirty="0"/>
+              <a:t> khan </a:t>
+            </a:r>
+            <a:r>
+              <a:rPr lang="en-US" altLang="ko-KR" sz="1700" dirty="0" err="1"/>
+              <a:t>khi</a:t>
+            </a:r>
+            <a:r>
+              <a:rPr lang="en-US" altLang="ko-KR" sz="1700" dirty="0"/>
+              <a:t> </a:t>
+            </a:r>
+            <a:r>
+              <a:rPr lang="en-US" altLang="ko-KR" sz="1700" dirty="0" err="1"/>
+              <a:t>đặt</a:t>
+            </a:r>
+            <a:r>
+              <a:rPr lang="en-US" altLang="ko-KR" sz="1700" dirty="0"/>
+              <a:t> </a:t>
+            </a:r>
+            <a:r>
+              <a:rPr lang="en-US" altLang="ko-KR" sz="1700" dirty="0" err="1"/>
+              <a:t>tên</a:t>
+            </a:r>
+            <a:r>
+              <a:rPr lang="en-US" altLang="ko-KR" sz="1700" dirty="0"/>
+              <a:t> class.</a:t>
+            </a:r>
+          </a:p>
+          <a:p>
+            <a:pPr lvl="2"/>
+            <a:r>
+              <a:rPr lang="en-US" altLang="ko-KR" sz="1700" dirty="0" err="1"/>
+              <a:t>Nếu</a:t>
+            </a:r>
+            <a:r>
+              <a:rPr lang="en-US" altLang="ko-KR" sz="1700" dirty="0"/>
+              <a:t> </a:t>
+            </a:r>
+            <a:r>
+              <a:rPr lang="en-US" altLang="ko-KR" sz="1700" dirty="0" err="1"/>
+              <a:t>dựa</a:t>
+            </a:r>
+            <a:r>
+              <a:rPr lang="en-US" altLang="ko-KR" sz="1700" dirty="0"/>
+              <a:t> </a:t>
+            </a:r>
+            <a:r>
+              <a:rPr lang="en-US" altLang="ko-KR" sz="1700" dirty="0" err="1"/>
+              <a:t>theo</a:t>
+            </a:r>
+            <a:r>
+              <a:rPr lang="en-US" altLang="ko-KR" sz="1700" dirty="0"/>
+              <a:t> </a:t>
+            </a:r>
+            <a:r>
+              <a:rPr lang="en-US" altLang="ko-KR" sz="1700" dirty="0" err="1"/>
+              <a:t>cây</a:t>
+            </a:r>
+            <a:r>
+              <a:rPr lang="en-US" altLang="ko-KR" sz="1700" dirty="0"/>
+              <a:t> </a:t>
+            </a:r>
+            <a:r>
+              <a:rPr lang="en-US" altLang="ko-KR" sz="1700" dirty="0" err="1"/>
+              <a:t>phả</a:t>
+            </a:r>
+            <a:r>
+              <a:rPr lang="en-US" altLang="ko-KR" sz="1700" dirty="0"/>
+              <a:t> </a:t>
+            </a:r>
+            <a:r>
+              <a:rPr lang="en-US" altLang="ko-KR" sz="1700" dirty="0" err="1"/>
+              <a:t>hệ</a:t>
+            </a:r>
+            <a:r>
+              <a:rPr lang="en-US" altLang="ko-KR" sz="1700" dirty="0"/>
+              <a:t> </a:t>
+            </a:r>
+            <a:r>
+              <a:rPr lang="en-US" altLang="ko-KR" sz="1700" dirty="0" err="1"/>
+              <a:t>chuẩn</a:t>
+            </a:r>
+            <a:r>
+              <a:rPr lang="en-US" altLang="ko-KR" sz="1700" dirty="0"/>
+              <a:t> </a:t>
+            </a:r>
+            <a:r>
+              <a:rPr lang="en-US" altLang="ko-KR" sz="1700" dirty="0" err="1"/>
+              <a:t>quốc</a:t>
+            </a:r>
+            <a:r>
+              <a:rPr lang="en-US" altLang="ko-KR" sz="1700" dirty="0"/>
+              <a:t> </a:t>
+            </a:r>
+            <a:r>
+              <a:rPr lang="en-US" altLang="ko-KR" sz="1700" dirty="0" err="1"/>
+              <a:t>tế</a:t>
+            </a:r>
+            <a:r>
+              <a:rPr lang="en-US" altLang="ko-KR" sz="1700" dirty="0"/>
+              <a:t>, </a:t>
+            </a:r>
+            <a:r>
+              <a:rPr lang="en-US" altLang="ko-KR" sz="1700" dirty="0" err="1"/>
+              <a:t>khi</a:t>
+            </a:r>
+            <a:r>
+              <a:rPr lang="en-US" altLang="ko-KR" sz="1700" dirty="0"/>
+              <a:t> </a:t>
+            </a:r>
+            <a:r>
+              <a:rPr lang="en-US" altLang="ko-KR" sz="1700" dirty="0" err="1"/>
+              <a:t>dịch</a:t>
+            </a:r>
+            <a:r>
+              <a:rPr lang="en-US" altLang="ko-KR" sz="1700" dirty="0"/>
+              <a:t> sang </a:t>
+            </a:r>
+            <a:r>
+              <a:rPr lang="en-US" altLang="ko-KR" sz="1700" dirty="0" err="1"/>
+              <a:t>tiếng</a:t>
+            </a:r>
+            <a:r>
+              <a:rPr lang="en-US" altLang="ko-KR" sz="1700" dirty="0"/>
+              <a:t> </a:t>
+            </a:r>
+            <a:r>
+              <a:rPr lang="en-US" altLang="ko-KR" sz="1700" dirty="0" err="1"/>
+              <a:t>việt</a:t>
+            </a:r>
+            <a:r>
+              <a:rPr lang="en-US" altLang="ko-KR" sz="1700" dirty="0"/>
+              <a:t>.</a:t>
+            </a:r>
+          </a:p>
+          <a:p>
+            <a:pPr lvl="2"/>
+            <a:r>
+              <a:rPr lang="en-US" altLang="ko-KR" sz="1700" dirty="0" err="1"/>
+              <a:t>Một</a:t>
+            </a:r>
+            <a:r>
+              <a:rPr lang="en-US" altLang="ko-KR" sz="1700" dirty="0"/>
+              <a:t> </a:t>
+            </a:r>
+            <a:r>
+              <a:rPr lang="en-US" altLang="ko-KR" sz="1700" dirty="0" err="1"/>
+              <a:t>số</a:t>
+            </a:r>
+            <a:r>
+              <a:rPr lang="en-US" altLang="ko-KR" sz="1700" dirty="0"/>
+              <a:t> </a:t>
+            </a:r>
+            <a:r>
+              <a:rPr lang="en-US" altLang="ko-KR" sz="1700" dirty="0" err="1"/>
+              <a:t>tên</a:t>
+            </a:r>
+            <a:r>
+              <a:rPr lang="en-US" altLang="ko-KR" sz="1700" dirty="0"/>
+              <a:t> </a:t>
+            </a:r>
+            <a:r>
+              <a:rPr lang="en-US" altLang="ko-KR" sz="1700" dirty="0" err="1"/>
+              <a:t>bệnh</a:t>
+            </a:r>
+            <a:r>
+              <a:rPr lang="en-US" altLang="ko-KR" sz="1700" dirty="0"/>
+              <a:t> </a:t>
+            </a:r>
+            <a:r>
+              <a:rPr lang="en-US" altLang="ko-KR" sz="1700" dirty="0" err="1"/>
+              <a:t>khó</a:t>
+            </a:r>
+            <a:r>
+              <a:rPr lang="en-US" altLang="ko-KR" sz="1700" dirty="0"/>
+              <a:t> </a:t>
+            </a:r>
+            <a:r>
+              <a:rPr lang="en-US" altLang="ko-KR" sz="1700" dirty="0" err="1"/>
+              <a:t>dịch</a:t>
+            </a:r>
+            <a:r>
+              <a:rPr lang="en-US" altLang="ko-KR" sz="1700" dirty="0" smtClean="0"/>
+              <a:t>.</a:t>
+            </a:r>
+            <a:endParaRPr lang="en-US" sz="2000" dirty="0" smtClean="0"/>
+          </a:p>
+          <a:p>
+            <a:pPr lvl="1"/>
+            <a:r>
+              <a:rPr lang="en-US" sz="2000" dirty="0" err="1" smtClean="0"/>
+              <a:t>Một</a:t>
+            </a:r>
+            <a:r>
+              <a:rPr lang="en-US" sz="2000" dirty="0" smtClean="0"/>
+              <a:t> </a:t>
+            </a:r>
+            <a:r>
+              <a:rPr lang="en-US" sz="2000" dirty="0" err="1" smtClean="0"/>
+              <a:t>số</a:t>
+            </a:r>
+            <a:r>
+              <a:rPr lang="en-US" sz="2000" dirty="0" smtClean="0"/>
+              <a:t> </a:t>
+            </a:r>
+            <a:r>
+              <a:rPr lang="en-US" sz="2000" dirty="0" err="1" smtClean="0"/>
+              <a:t>mô</a:t>
+            </a:r>
+            <a:r>
+              <a:rPr lang="en-US" sz="2000" dirty="0" smtClean="0"/>
+              <a:t> </a:t>
+            </a:r>
+            <a:r>
+              <a:rPr lang="en-US" sz="2000" dirty="0" err="1" smtClean="0"/>
+              <a:t>tả</a:t>
+            </a:r>
+            <a:r>
+              <a:rPr lang="en-US" sz="2000" dirty="0" smtClean="0"/>
+              <a:t> </a:t>
+            </a:r>
+            <a:r>
+              <a:rPr lang="en-US" sz="2000" dirty="0" err="1" smtClean="0"/>
+              <a:t>sơ</a:t>
+            </a:r>
+            <a:r>
+              <a:rPr lang="en-US" sz="2000" dirty="0" smtClean="0"/>
+              <a:t> </a:t>
+            </a:r>
+            <a:r>
+              <a:rPr lang="en-US" sz="2000" dirty="0" err="1" smtClean="0"/>
+              <a:t>bộ</a:t>
+            </a:r>
+            <a:r>
+              <a:rPr lang="en-US" sz="2000" dirty="0" smtClean="0"/>
+              <a:t> </a:t>
+            </a:r>
+            <a:r>
+              <a:rPr lang="en-US" sz="2000" dirty="0" err="1" smtClean="0"/>
+              <a:t>về</a:t>
+            </a:r>
+            <a:r>
+              <a:rPr lang="en-US" sz="2000" dirty="0" smtClean="0"/>
+              <a:t> ontology:</a:t>
+            </a:r>
+          </a:p>
+          <a:p>
+            <a:pPr lvl="2"/>
+            <a:endParaRPr lang="en-US" sz="1700" dirty="0" smtClean="0"/>
+          </a:p>
+          <a:p>
+            <a:pPr marL="667512" lvl="2" indent="0">
+              <a:buNone/>
+            </a:pPr>
+            <a:endParaRPr lang="en-US" sz="1700" dirty="0" smtClean="0"/>
+          </a:p>
+        </p:txBody>
+      </p:sp>
+    </p:spTree>
+    <p:extLst>
+      <p:ext uri="{BB962C8B-B14F-4D97-AF65-F5344CB8AC3E}">
+        <p14:creationId xmlns:p14="http://schemas.microsoft.com/office/powerpoint/2010/main" val="1117278032"/>
+      </p:ext>
+    </p:extLst>
+  </p:cSld>
+  <p:clrMapOvr>
+    <a:masterClrMapping/>
+  </p:clrMapOvr>
+  <mc:AlternateContent xmlns:mc="http://schemas.openxmlformats.org/markup-compatibility/2006" xmlns:p14="http://schemas.microsoft.com/office/powerpoint/2010/main">
+    <mc:Choice Requires="p14">
+      <p:transition spd="med" p14:dur="700">
+        <p:fade/>
+      </p:transition>
+    </mc:Choice>
+    <mc:Fallback xmlns="">
+      <p:transition spd="med">
+        <p:fade/>
+      </p:transition>
+    </mc:Fallback>
+  </mc:AlternateContent>
+  <p:timing>
+    <p:tnLst>
+      <p:par>
+        <p:cTn id="1" dur="indefinite" restart="never" nodeType="tmRoot"/>
+      </p:par>
+    </p:tnLst>
+  </p:timing>
+</p:sld>
+</file>
+
+<file path=ppt/slides/slide35.xml><?xml version="1.0" encoding="utf-8"?>
+<p:sld xmlns:a="http://schemas.openxmlformats.org/drawingml/2006/main" xmlns:r="http://schemas.openxmlformats.org/officeDocument/2006/relationships" xmlns:p="http://schemas.openxmlformats.org/presentationml/2006/main">
+  <p:cSld>
+    <p:spTree>
+      <p:nvGrpSpPr>
+        <p:cNvPr id="1" name=""/>
+        <p:cNvGrpSpPr/>
+        <p:nvPr/>
+      </p:nvGrpSpPr>
+      <p:grpSpPr>
+        <a:xfrm>
+          <a:off x="0" y="0"/>
+          <a:ext cx="0" cy="0"/>
+          <a:chOff x="0" y="0"/>
+          <a:chExt cx="0" cy="0"/>
+        </a:xfrm>
+      </p:grpSpPr>
+      <p:sp>
+        <p:nvSpPr>
+          <p:cNvPr id="3" name="Tiêu đề 2"/>
+          <p:cNvSpPr>
+            <a:spLocks noGrp="1"/>
+          </p:cNvSpPr>
+          <p:nvPr>
+            <p:ph type="title"/>
+          </p:nvPr>
+        </p:nvSpPr>
+        <p:spPr/>
+        <p:txBody>
+          <a:bodyPr rtlCol="0"/>
+          <a:lstStyle/>
+          <a:p>
+            <a:r>
+              <a:rPr lang="en-US" dirty="0" err="1" smtClean="0">
+                <a:latin typeface="Times New Roman" panose="02020603050405020304" pitchFamily="18" charset="0"/>
+                <a:cs typeface="Times New Roman" panose="02020603050405020304" pitchFamily="18" charset="0"/>
+              </a:rPr>
+              <a:t>Kết</a:t>
+            </a:r>
+            <a:r>
+              <a:rPr lang="en-US" dirty="0" smtClean="0">
+                <a:latin typeface="Times New Roman" panose="02020603050405020304" pitchFamily="18" charset="0"/>
+                <a:cs typeface="Times New Roman" panose="02020603050405020304" pitchFamily="18" charset="0"/>
+              </a:rPr>
+              <a:t> </a:t>
+            </a:r>
+            <a:r>
+              <a:rPr lang="en-US" dirty="0" err="1" smtClean="0">
+                <a:latin typeface="Times New Roman" panose="02020603050405020304" pitchFamily="18" charset="0"/>
+                <a:cs typeface="Times New Roman" panose="02020603050405020304" pitchFamily="18" charset="0"/>
+              </a:rPr>
+              <a:t>luận</a:t>
+            </a:r>
+            <a:endParaRPr lang="vi-VN" dirty="0">
+              <a:latin typeface="Times New Roman" panose="02020603050405020304" pitchFamily="18" charset="0"/>
+              <a:cs typeface="Times New Roman" panose="02020603050405020304" pitchFamily="18" charset="0"/>
+            </a:endParaRPr>
+          </a:p>
+        </p:txBody>
+      </p:sp>
+      <p:pic>
+        <p:nvPicPr>
+          <p:cNvPr id="5" name="Chỗ dành sẵn cho Nội dung 4"/>
+          <p:cNvPicPr>
+            <a:picLocks noGrp="1" noChangeAspect="1"/>
+          </p:cNvPicPr>
+          <p:nvPr>
+            <p:ph idx="1"/>
+          </p:nvPr>
+        </p:nvPicPr>
+        <p:blipFill>
+          <a:blip r:embed="rId3">
+            <a:extLst>
+              <a:ext uri="{28A0092B-C50C-407E-A947-70E740481C1C}">
+                <a14:useLocalDpi xmlns:a14="http://schemas.microsoft.com/office/drawing/2010/main" val="0"/>
+              </a:ext>
+            </a:extLst>
+          </a:blip>
+          <a:stretch>
+            <a:fillRect/>
+          </a:stretch>
+        </p:blipFill>
+        <p:spPr>
+          <a:xfrm>
+            <a:off x="1624012" y="1991519"/>
+            <a:ext cx="8943975" cy="4276725"/>
+          </a:xfrm>
+        </p:spPr>
+      </p:pic>
+    </p:spTree>
+    <p:extLst>
+      <p:ext uri="{BB962C8B-B14F-4D97-AF65-F5344CB8AC3E}">
+        <p14:creationId xmlns:p14="http://schemas.microsoft.com/office/powerpoint/2010/main" val="576688024"/>
+      </p:ext>
+    </p:extLst>
+  </p:cSld>
+  <p:clrMapOvr>
+    <a:masterClrMapping/>
+  </p:clrMapOvr>
+  <mc:AlternateContent xmlns:mc="http://schemas.openxmlformats.org/markup-compatibility/2006" xmlns:p14="http://schemas.microsoft.com/office/powerpoint/2010/main">
+    <mc:Choice Requires="p14">
+      <p:transition spd="med" p14:dur="700">
+        <p:fade/>
+      </p:transition>
+    </mc:Choice>
+    <mc:Fallback xmlns="">
+      <p:transition spd="med">
+        <p:fade/>
+      </p:transition>
+    </mc:Fallback>
+  </mc:AlternateContent>
+  <p:timing>
+    <p:tnLst>
+      <p:par>
+        <p:cTn id="1" dur="indefinite" restart="never" nodeType="tmRoot"/>
+      </p:par>
+    </p:tnLst>
+  </p:timing>
+</p:sld>
+</file>
+
+<file path=ppt/slides/slide36.xml><?xml version="1.0" encoding="utf-8"?>
+<p:sld xmlns:a="http://schemas.openxmlformats.org/drawingml/2006/main" xmlns:r="http://schemas.openxmlformats.org/officeDocument/2006/relationships" xmlns:p="http://schemas.openxmlformats.org/presentationml/2006/main">
+  <p:cSld>
+    <p:spTree>
+      <p:nvGrpSpPr>
+        <p:cNvPr id="1" name=""/>
+        <p:cNvGrpSpPr/>
+        <p:nvPr/>
+      </p:nvGrpSpPr>
+      <p:grpSpPr>
+        <a:xfrm>
+          <a:off x="0" y="0"/>
+          <a:ext cx="0" cy="0"/>
+          <a:chOff x="0" y="0"/>
+          <a:chExt cx="0" cy="0"/>
+        </a:xfrm>
+      </p:grpSpPr>
+      <p:sp>
+        <p:nvSpPr>
+          <p:cNvPr id="3" name="Tiêu đề 2"/>
+          <p:cNvSpPr>
+            <a:spLocks noGrp="1"/>
+          </p:cNvSpPr>
+          <p:nvPr>
+            <p:ph type="title"/>
+          </p:nvPr>
+        </p:nvSpPr>
+        <p:spPr/>
+        <p:txBody>
+          <a:bodyPr rtlCol="0"/>
+          <a:lstStyle/>
+          <a:p>
+            <a:r>
+              <a:rPr lang="en-US" dirty="0" err="1" smtClean="0">
+                <a:latin typeface="Times New Roman" panose="02020603050405020304" pitchFamily="18" charset="0"/>
+                <a:cs typeface="Times New Roman" panose="02020603050405020304" pitchFamily="18" charset="0"/>
+              </a:rPr>
+              <a:t>Kết</a:t>
+            </a:r>
+            <a:r>
+              <a:rPr lang="en-US" dirty="0" smtClean="0">
+                <a:latin typeface="Times New Roman" panose="02020603050405020304" pitchFamily="18" charset="0"/>
+                <a:cs typeface="Times New Roman" panose="02020603050405020304" pitchFamily="18" charset="0"/>
+              </a:rPr>
+              <a:t> </a:t>
+            </a:r>
+            <a:r>
+              <a:rPr lang="en-US" dirty="0" err="1" smtClean="0">
+                <a:latin typeface="Times New Roman" panose="02020603050405020304" pitchFamily="18" charset="0"/>
+                <a:cs typeface="Times New Roman" panose="02020603050405020304" pitchFamily="18" charset="0"/>
+              </a:rPr>
+              <a:t>luận</a:t>
+            </a:r>
+            <a:endParaRPr lang="vi-VN" dirty="0">
+              <a:latin typeface="Times New Roman" panose="02020603050405020304" pitchFamily="18" charset="0"/>
+              <a:cs typeface="Times New Roman" panose="02020603050405020304" pitchFamily="18" charset="0"/>
+            </a:endParaRPr>
+          </a:p>
+        </p:txBody>
+      </p:sp>
+      <p:pic>
+        <p:nvPicPr>
+          <p:cNvPr id="4" name="Chỗ dành sẵn cho Nội dung 3"/>
+          <p:cNvPicPr>
+            <a:picLocks noGrp="1" noChangeAspect="1"/>
+          </p:cNvPicPr>
+          <p:nvPr>
+            <p:ph idx="1"/>
+          </p:nvPr>
+        </p:nvPicPr>
+        <p:blipFill>
+          <a:blip r:embed="rId3">
+            <a:extLst>
+              <a:ext uri="{28A0092B-C50C-407E-A947-70E740481C1C}">
+                <a14:useLocalDpi xmlns:a14="http://schemas.microsoft.com/office/drawing/2010/main" val="0"/>
+              </a:ext>
+            </a:extLst>
+          </a:blip>
+          <a:stretch>
+            <a:fillRect/>
+          </a:stretch>
+        </p:blipFill>
+        <p:spPr>
+          <a:xfrm>
+            <a:off x="1624012" y="1991519"/>
+            <a:ext cx="8943975" cy="4276725"/>
+          </a:xfrm>
+        </p:spPr>
+      </p:pic>
+    </p:spTree>
+    <p:extLst>
+      <p:ext uri="{BB962C8B-B14F-4D97-AF65-F5344CB8AC3E}">
+        <p14:creationId xmlns:p14="http://schemas.microsoft.com/office/powerpoint/2010/main" val="409239955"/>
+      </p:ext>
+    </p:extLst>
+  </p:cSld>
+  <p:clrMapOvr>
+    <a:masterClrMapping/>
+  </p:clrMapOvr>
+  <mc:AlternateContent xmlns:mc="http://schemas.openxmlformats.org/markup-compatibility/2006" xmlns:p14="http://schemas.microsoft.com/office/powerpoint/2010/main">
+    <mc:Choice Requires="p14">
+      <p:transition spd="med" p14:dur="700">
+        <p:fade/>
+      </p:transition>
+    </mc:Choice>
+    <mc:Fallback xmlns="">
+      <p:transition spd="med">
+        <p:fade/>
+      </p:transition>
+    </mc:Fallback>
+  </mc:AlternateContent>
+  <p:timing>
+    <p:tnLst>
+      <p:par>
+        <p:cTn id="1" dur="indefinite" restart="never" nodeType="tmRoot"/>
+      </p:par>
+    </p:tnLst>
+  </p:timing>
+</p:sld>
+</file>
+
+<file path=ppt/slides/slide37.xml><?xml version="1.0" encoding="utf-8"?>
+<p:sld xmlns:a="http://schemas.openxmlformats.org/drawingml/2006/main" xmlns:r="http://schemas.openxmlformats.org/officeDocument/2006/relationships" xmlns:p="http://schemas.openxmlformats.org/presentationml/2006/main">
+  <p:cSld>
+    <p:spTree>
+      <p:nvGrpSpPr>
+        <p:cNvPr id="1" name=""/>
+        <p:cNvGrpSpPr/>
+        <p:nvPr/>
+      </p:nvGrpSpPr>
+      <p:grpSpPr>
+        <a:xfrm>
+          <a:off x="0" y="0"/>
+          <a:ext cx="0" cy="0"/>
+          <a:chOff x="0" y="0"/>
+          <a:chExt cx="0" cy="0"/>
+        </a:xfrm>
+      </p:grpSpPr>
+      <p:sp>
+        <p:nvSpPr>
+          <p:cNvPr id="3" name="Tiêu đề 2"/>
+          <p:cNvSpPr>
+            <a:spLocks noGrp="1"/>
+          </p:cNvSpPr>
+          <p:nvPr>
+            <p:ph type="title"/>
+          </p:nvPr>
+        </p:nvSpPr>
+        <p:spPr/>
+        <p:txBody>
+          <a:bodyPr rtlCol="0"/>
+          <a:lstStyle/>
+          <a:p>
+            <a:r>
+              <a:rPr lang="en-US" dirty="0" err="1" smtClean="0">
+                <a:latin typeface="Times New Roman" panose="02020603050405020304" pitchFamily="18" charset="0"/>
+                <a:cs typeface="Times New Roman" panose="02020603050405020304" pitchFamily="18" charset="0"/>
+              </a:rPr>
+              <a:t>Kết</a:t>
+            </a:r>
+            <a:r>
+              <a:rPr lang="en-US" dirty="0" smtClean="0">
+                <a:latin typeface="Times New Roman" panose="02020603050405020304" pitchFamily="18" charset="0"/>
+                <a:cs typeface="Times New Roman" panose="02020603050405020304" pitchFamily="18" charset="0"/>
+              </a:rPr>
+              <a:t> </a:t>
+            </a:r>
+            <a:r>
+              <a:rPr lang="en-US" dirty="0" err="1" smtClean="0">
+                <a:latin typeface="Times New Roman" panose="02020603050405020304" pitchFamily="18" charset="0"/>
+                <a:cs typeface="Times New Roman" panose="02020603050405020304" pitchFamily="18" charset="0"/>
+              </a:rPr>
+              <a:t>luận</a:t>
+            </a:r>
+            <a:endParaRPr lang="vi-VN" dirty="0">
+              <a:latin typeface="Times New Roman" panose="02020603050405020304" pitchFamily="18" charset="0"/>
+              <a:cs typeface="Times New Roman" panose="02020603050405020304" pitchFamily="18" charset="0"/>
+            </a:endParaRPr>
+          </a:p>
+        </p:txBody>
+      </p:sp>
+      <p:pic>
+        <p:nvPicPr>
+          <p:cNvPr id="5" name="Chỗ dành sẵn cho Nội dung 4"/>
+          <p:cNvPicPr>
+            <a:picLocks noGrp="1" noChangeAspect="1"/>
+          </p:cNvPicPr>
+          <p:nvPr>
+            <p:ph idx="1"/>
+          </p:nvPr>
+        </p:nvPicPr>
+        <p:blipFill>
+          <a:blip r:embed="rId3">
+            <a:extLst>
+              <a:ext uri="{28A0092B-C50C-407E-A947-70E740481C1C}">
+                <a14:useLocalDpi xmlns:a14="http://schemas.microsoft.com/office/drawing/2010/main" val="0"/>
+              </a:ext>
+            </a:extLst>
+          </a:blip>
+          <a:stretch>
+            <a:fillRect/>
+          </a:stretch>
+        </p:blipFill>
+        <p:spPr>
+          <a:xfrm>
+            <a:off x="1624012" y="1991519"/>
+            <a:ext cx="8943975" cy="4276725"/>
+          </a:xfrm>
+        </p:spPr>
+      </p:pic>
+    </p:spTree>
+    <p:extLst>
+      <p:ext uri="{BB962C8B-B14F-4D97-AF65-F5344CB8AC3E}">
+        <p14:creationId xmlns:p14="http://schemas.microsoft.com/office/powerpoint/2010/main" val="2939917663"/>
+      </p:ext>
+    </p:extLst>
+  </p:cSld>
+  <p:clrMapOvr>
+    <a:masterClrMapping/>
+  </p:clrMapOvr>
+  <mc:AlternateContent xmlns:mc="http://schemas.openxmlformats.org/markup-compatibility/2006" xmlns:p14="http://schemas.microsoft.com/office/powerpoint/2010/main">
+    <mc:Choice Requires="p14">
+      <p:transition spd="med" p14:dur="700">
+        <p:fade/>
+      </p:transition>
+    </mc:Choice>
+    <mc:Fallback xmlns="">
+      <p:transition spd="med">
+        <p:fade/>
+      </p:transition>
+    </mc:Fallback>
+  </mc:AlternateContent>
+  <p:timing>
+    <p:tnLst>
+      <p:par>
+        <p:cTn id="1" dur="indefinite" restart="never" nodeType="tmRoot"/>
+      </p:par>
+    </p:tnLst>
+  </p:timing>
+</p:sld>
+</file>
+
+<file path=ppt/slides/slide38.xml><?xml version="1.0" encoding="utf-8"?>
+<p:sld xmlns:a="http://schemas.openxmlformats.org/drawingml/2006/main" xmlns:r="http://schemas.openxmlformats.org/officeDocument/2006/relationships" xmlns:p="http://schemas.openxmlformats.org/presentationml/2006/main">
+  <p:cSld>
+    <p:spTree>
+      <p:nvGrpSpPr>
+        <p:cNvPr id="1" name=""/>
+        <p:cNvGrpSpPr/>
+        <p:nvPr/>
+      </p:nvGrpSpPr>
+      <p:grpSpPr>
+        <a:xfrm>
+          <a:off x="0" y="0"/>
+          <a:ext cx="0" cy="0"/>
+          <a:chOff x="0" y="0"/>
+          <a:chExt cx="0" cy="0"/>
+        </a:xfrm>
+      </p:grpSpPr>
+      <p:sp>
+        <p:nvSpPr>
+          <p:cNvPr id="3" name="Tiêu đề 2"/>
+          <p:cNvSpPr>
+            <a:spLocks noGrp="1"/>
+          </p:cNvSpPr>
+          <p:nvPr>
+            <p:ph type="title"/>
+          </p:nvPr>
+        </p:nvSpPr>
+        <p:spPr/>
+        <p:txBody>
+          <a:bodyPr rtlCol="0"/>
+          <a:lstStyle/>
+          <a:p>
+            <a:r>
+              <a:rPr lang="en-US" dirty="0" err="1" smtClean="0">
+                <a:latin typeface="Times New Roman" panose="02020603050405020304" pitchFamily="18" charset="0"/>
+                <a:cs typeface="Times New Roman" panose="02020603050405020304" pitchFamily="18" charset="0"/>
+              </a:rPr>
+              <a:t>Kết</a:t>
+            </a:r>
+            <a:r>
+              <a:rPr lang="en-US" dirty="0" smtClean="0">
+                <a:latin typeface="Times New Roman" panose="02020603050405020304" pitchFamily="18" charset="0"/>
+                <a:cs typeface="Times New Roman" panose="02020603050405020304" pitchFamily="18" charset="0"/>
+              </a:rPr>
+              <a:t> </a:t>
+            </a:r>
+            <a:r>
+              <a:rPr lang="en-US" dirty="0" err="1" smtClean="0">
+                <a:latin typeface="Times New Roman" panose="02020603050405020304" pitchFamily="18" charset="0"/>
+                <a:cs typeface="Times New Roman" panose="02020603050405020304" pitchFamily="18" charset="0"/>
+              </a:rPr>
+              <a:t>luận</a:t>
+            </a:r>
+            <a:endParaRPr lang="vi-VN" dirty="0">
+              <a:latin typeface="Times New Roman" panose="02020603050405020304" pitchFamily="18" charset="0"/>
+              <a:cs typeface="Times New Roman" panose="02020603050405020304" pitchFamily="18" charset="0"/>
+            </a:endParaRPr>
+          </a:p>
+        </p:txBody>
+      </p:sp>
+      <p:pic>
+        <p:nvPicPr>
+          <p:cNvPr id="4" name="Chỗ dành sẵn cho Nội dung 3"/>
+          <p:cNvPicPr>
+            <a:picLocks noGrp="1" noChangeAspect="1"/>
+          </p:cNvPicPr>
+          <p:nvPr>
+            <p:ph idx="1"/>
+          </p:nvPr>
+        </p:nvPicPr>
+        <p:blipFill>
+          <a:blip r:embed="rId3">
+            <a:extLst>
+              <a:ext uri="{28A0092B-C50C-407E-A947-70E740481C1C}">
+                <a14:useLocalDpi xmlns:a14="http://schemas.microsoft.com/office/drawing/2010/main" val="0"/>
+              </a:ext>
+            </a:extLst>
+          </a:blip>
+          <a:stretch>
+            <a:fillRect/>
+          </a:stretch>
+        </p:blipFill>
+        <p:spPr>
+          <a:xfrm>
+            <a:off x="1268964" y="1847088"/>
+            <a:ext cx="8861073" cy="4733285"/>
+          </a:xfrm>
+        </p:spPr>
+      </p:pic>
+    </p:spTree>
+    <p:extLst>
+      <p:ext uri="{BB962C8B-B14F-4D97-AF65-F5344CB8AC3E}">
+        <p14:creationId xmlns:p14="http://schemas.microsoft.com/office/powerpoint/2010/main" val="852791155"/>
+      </p:ext>
+    </p:extLst>
+  </p:cSld>
+  <p:clrMapOvr>
+    <a:masterClrMapping/>
+  </p:clrMapOvr>
+  <mc:AlternateContent xmlns:mc="http://schemas.openxmlformats.org/markup-compatibility/2006" xmlns:p14="http://schemas.microsoft.com/office/powerpoint/2010/main">
+    <mc:Choice Requires="p14">
+      <p:transition spd="med" p14:dur="700">
+        <p:fade/>
+      </p:transition>
+    </mc:Choice>
+    <mc:Fallback xmlns="">
+      <p:transition spd="med">
+        <p:fade/>
+      </p:transition>
+    </mc:Fallback>
+  </mc:AlternateContent>
+  <p:timing>
+    <p:tnLst>
+      <p:par>
+        <p:cTn id="1" dur="indefinite" restart="never" nodeType="tmRoot"/>
+      </p:par>
+    </p:tnLst>
+  </p:timing>
+</p:sld>
+</file>
+
+<file path=ppt/slides/slide39.xml><?xml version="1.0" encoding="utf-8"?>
+<p:sld xmlns:a="http://schemas.openxmlformats.org/drawingml/2006/main" xmlns:r="http://schemas.openxmlformats.org/officeDocument/2006/relationships" xmlns:p="http://schemas.openxmlformats.org/presentationml/2006/main">
+  <p:cSld>
+    <p:spTree>
+      <p:nvGrpSpPr>
+        <p:cNvPr id="1" name=""/>
+        <p:cNvGrpSpPr/>
+        <p:nvPr/>
+      </p:nvGrpSpPr>
+      <p:grpSpPr>
+        <a:xfrm>
+          <a:off x="0" y="0"/>
+          <a:ext cx="0" cy="0"/>
+          <a:chOff x="0" y="0"/>
+          <a:chExt cx="0" cy="0"/>
+        </a:xfrm>
+      </p:grpSpPr>
+      <p:sp>
+        <p:nvSpPr>
+          <p:cNvPr id="3" name="Tiêu đề 2"/>
+          <p:cNvSpPr>
+            <a:spLocks noGrp="1"/>
+          </p:cNvSpPr>
+          <p:nvPr>
+            <p:ph type="title"/>
+          </p:nvPr>
+        </p:nvSpPr>
+        <p:spPr/>
+        <p:txBody>
+          <a:bodyPr rtlCol="0"/>
+          <a:lstStyle/>
+          <a:p>
+            <a:r>
+              <a:rPr lang="en-US" dirty="0" err="1" smtClean="0">
+                <a:latin typeface="Times New Roman" panose="02020603050405020304" pitchFamily="18" charset="0"/>
+                <a:cs typeface="Times New Roman" panose="02020603050405020304" pitchFamily="18" charset="0"/>
+              </a:rPr>
+              <a:t>Kết</a:t>
+            </a:r>
+            <a:r>
+              <a:rPr lang="en-US" dirty="0" smtClean="0">
+                <a:latin typeface="Times New Roman" panose="02020603050405020304" pitchFamily="18" charset="0"/>
+                <a:cs typeface="Times New Roman" panose="02020603050405020304" pitchFamily="18" charset="0"/>
+              </a:rPr>
+              <a:t> </a:t>
+            </a:r>
+            <a:r>
+              <a:rPr lang="en-US" dirty="0" err="1" smtClean="0">
+                <a:latin typeface="Times New Roman" panose="02020603050405020304" pitchFamily="18" charset="0"/>
+                <a:cs typeface="Times New Roman" panose="02020603050405020304" pitchFamily="18" charset="0"/>
+              </a:rPr>
+              <a:t>luận</a:t>
+            </a:r>
+            <a:endParaRPr lang="vi-VN" dirty="0">
+              <a:latin typeface="Times New Roman" panose="02020603050405020304" pitchFamily="18" charset="0"/>
+              <a:cs typeface="Times New Roman" panose="02020603050405020304" pitchFamily="18" charset="0"/>
+            </a:endParaRPr>
+          </a:p>
+        </p:txBody>
+      </p:sp>
+      <p:pic>
+        <p:nvPicPr>
+          <p:cNvPr id="5" name="Chỗ dành sẵn cho Nội dung 4"/>
+          <p:cNvPicPr>
+            <a:picLocks noGrp="1" noChangeAspect="1"/>
+          </p:cNvPicPr>
+          <p:nvPr>
+            <p:ph idx="1"/>
+          </p:nvPr>
+        </p:nvPicPr>
+        <p:blipFill>
+          <a:blip r:embed="rId3">
+            <a:extLst>
+              <a:ext uri="{28A0092B-C50C-407E-A947-70E740481C1C}">
+                <a14:useLocalDpi xmlns:a14="http://schemas.microsoft.com/office/drawing/2010/main" val="0"/>
+              </a:ext>
+            </a:extLst>
+          </a:blip>
+          <a:stretch>
+            <a:fillRect/>
+          </a:stretch>
+        </p:blipFill>
+        <p:spPr>
+          <a:xfrm>
+            <a:off x="1586204" y="1847088"/>
+            <a:ext cx="8658807" cy="4677782"/>
+          </a:xfrm>
+        </p:spPr>
+      </p:pic>
+    </p:spTree>
+    <p:extLst>
+      <p:ext uri="{BB962C8B-B14F-4D97-AF65-F5344CB8AC3E}">
+        <p14:creationId xmlns:p14="http://schemas.microsoft.com/office/powerpoint/2010/main" val="6811167"/>
       </p:ext>
     </p:extLst>
   </p:cSld>
